--- a/prezentacja.pptx
+++ b/prezentacja.pptx
@@ -13,7 +13,8 @@
     <p:sldId id="260" r:id="rId7"/>
     <p:sldId id="257" r:id="rId8"/>
     <p:sldId id="262" r:id="rId9"/>
-    <p:sldId id="263" r:id="rId10"/>
+    <p:sldId id="265" r:id="rId10"/>
+    <p:sldId id="263" r:id="rId11"/>
   </p:sldIdLst>
   <p:sldSz cx="12192000" cy="6858000"/>
   <p:notesSz cx="6858000" cy="9144000"/>
@@ -9583,1815 +9584,7 @@
 </p:sld>
 </file>
 
-<file path=ppt/slides/slide2.xml><?xml version="1.0" encoding="utf-8"?>
-<p:sld xmlns:a="http://schemas.openxmlformats.org/drawingml/2006/main" xmlns:r="http://schemas.openxmlformats.org/officeDocument/2006/relationships" xmlns:p="http://schemas.openxmlformats.org/presentationml/2006/main">
-  <p:cSld>
-    <p:spTree>
-      <p:nvGrpSpPr>
-        <p:cNvPr id="1" name=""/>
-        <p:cNvGrpSpPr/>
-        <p:nvPr/>
-      </p:nvGrpSpPr>
-      <p:grpSpPr>
-        <a:xfrm>
-          <a:off x="0" y="0"/>
-          <a:ext cx="0" cy="0"/>
-          <a:chOff x="0" y="0"/>
-          <a:chExt cx="0" cy="0"/>
-        </a:xfrm>
-      </p:grpSpPr>
-      <p:sp>
-        <p:nvSpPr>
-          <p:cNvPr id="2" name="Tytuł 1">
-            <a:extLst>
-              <a:ext uri="{FF2B5EF4-FFF2-40B4-BE49-F238E27FC236}">
-                <a16:creationId xmlns:a16="http://schemas.microsoft.com/office/drawing/2014/main" id="{4819043F-8C3D-4976-BC37-535B5D99A119}"/>
-              </a:ext>
-            </a:extLst>
-          </p:cNvPr>
-          <p:cNvSpPr>
-            <a:spLocks noGrp="1"/>
-          </p:cNvSpPr>
-          <p:nvPr>
-            <p:ph type="title"/>
-          </p:nvPr>
-        </p:nvSpPr>
-        <p:spPr/>
-        <p:txBody>
-          <a:bodyPr>
-            <a:normAutofit/>
-          </a:bodyPr>
-          <a:lstStyle/>
-          <a:p>
-            <a:r>
-              <a:rPr lang="pl-PL" sz="4000" b="1" dirty="0"/>
-              <a:t>Plan prezentacji</a:t>
-            </a:r>
-          </a:p>
-        </p:txBody>
-      </p:sp>
-      <p:sp>
-        <p:nvSpPr>
-          <p:cNvPr id="3" name="Symbol zastępczy zawartości 2">
-            <a:extLst>
-              <a:ext uri="{FF2B5EF4-FFF2-40B4-BE49-F238E27FC236}">
-                <a16:creationId xmlns:a16="http://schemas.microsoft.com/office/drawing/2014/main" id="{851D31B8-E8C7-4392-BCD7-43F9EBC0DE7F}"/>
-              </a:ext>
-            </a:extLst>
-          </p:cNvPr>
-          <p:cNvSpPr>
-            <a:spLocks noGrp="1"/>
-          </p:cNvSpPr>
-          <p:nvPr>
-            <p:ph idx="1"/>
-          </p:nvPr>
-        </p:nvSpPr>
-        <p:spPr/>
-        <p:txBody>
-          <a:bodyPr/>
-          <a:lstStyle/>
-          <a:p>
-            <a:r>
-              <a:rPr lang="pl-PL" sz="2400" dirty="0"/>
-              <a:t>Kontekst – wyznania w uczeniu maszynowym</a:t>
-            </a:r>
-          </a:p>
-          <a:p>
-            <a:r>
-              <a:rPr lang="pl-PL" sz="2400" dirty="0"/>
-              <a:t>Algorytm</a:t>
-            </a:r>
-          </a:p>
-          <a:p>
-            <a:r>
-              <a:rPr lang="pl-PL" sz="2400" dirty="0"/>
-              <a:t>Wyjaśnienie nazwy metody</a:t>
-            </a:r>
-          </a:p>
-          <a:p>
-            <a:r>
-              <a:rPr lang="pl-PL" sz="2400" dirty="0"/>
-              <a:t>Omówienie wyników</a:t>
-            </a:r>
-          </a:p>
-        </p:txBody>
-      </p:sp>
-    </p:spTree>
-    <p:extLst>
-      <p:ext uri="{BB962C8B-B14F-4D97-AF65-F5344CB8AC3E}">
-        <p14:creationId xmlns:p14="http://schemas.microsoft.com/office/powerpoint/2010/main" val="194377977"/>
-      </p:ext>
-    </p:extLst>
-  </p:cSld>
-  <p:clrMapOvr>
-    <a:masterClrMapping/>
-  </p:clrMapOvr>
-</p:sld>
-</file>
-
-<file path=ppt/slides/slide3.xml><?xml version="1.0" encoding="utf-8"?>
-<p:sld xmlns:a="http://schemas.openxmlformats.org/drawingml/2006/main" xmlns:r="http://schemas.openxmlformats.org/officeDocument/2006/relationships" xmlns:p="http://schemas.openxmlformats.org/presentationml/2006/main">
-  <p:cSld>
-    <p:spTree>
-      <p:nvGrpSpPr>
-        <p:cNvPr id="1" name=""/>
-        <p:cNvGrpSpPr/>
-        <p:nvPr/>
-      </p:nvGrpSpPr>
-      <p:grpSpPr>
-        <a:xfrm>
-          <a:off x="0" y="0"/>
-          <a:ext cx="0" cy="0"/>
-          <a:chOff x="0" y="0"/>
-          <a:chExt cx="0" cy="0"/>
-        </a:xfrm>
-      </p:grpSpPr>
-      <p:sp>
-        <p:nvSpPr>
-          <p:cNvPr id="2" name="Tytuł 1">
-            <a:extLst>
-              <a:ext uri="{FF2B5EF4-FFF2-40B4-BE49-F238E27FC236}">
-                <a16:creationId xmlns:a16="http://schemas.microsoft.com/office/drawing/2014/main" id="{6D0E581E-71E5-4E60-BCE3-BA4B88941435}"/>
-              </a:ext>
-            </a:extLst>
-          </p:cNvPr>
-          <p:cNvSpPr>
-            <a:spLocks noGrp="1"/>
-          </p:cNvSpPr>
-          <p:nvPr>
-            <p:ph type="title"/>
-          </p:nvPr>
-        </p:nvSpPr>
-        <p:spPr/>
-        <p:txBody>
-          <a:bodyPr/>
-          <a:lstStyle/>
-          <a:p>
-            <a:r>
-              <a:rPr lang="pl-PL" dirty="0"/>
-              <a:t>Definicja problemu</a:t>
-            </a:r>
-          </a:p>
-        </p:txBody>
-      </p:sp>
-      <mc:AlternateContent xmlns:mc="http://schemas.openxmlformats.org/markup-compatibility/2006">
-        <mc:Choice xmlns:a14="http://schemas.microsoft.com/office/drawing/2010/main" Requires="a14">
-          <p:sp>
-            <p:nvSpPr>
-              <p:cNvPr id="5" name="pole tekstowe 4">
-                <a:extLst>
-                  <a:ext uri="{FF2B5EF4-FFF2-40B4-BE49-F238E27FC236}">
-                    <a16:creationId xmlns:a16="http://schemas.microsoft.com/office/drawing/2014/main" id="{2194D232-8414-4EEE-939A-56E444303D5D}"/>
-                  </a:ext>
-                </a:extLst>
-              </p:cNvPr>
-              <p:cNvSpPr txBox="1"/>
-              <p:nvPr/>
-            </p:nvSpPr>
-            <p:spPr>
-              <a:xfrm>
-                <a:off x="1864312" y="3429000"/>
-                <a:ext cx="8272818" cy="1134221"/>
-              </a:xfrm>
-              <a:prstGeom prst="rect">
-                <a:avLst/>
-              </a:prstGeom>
-              <a:noFill/>
-            </p:spPr>
-            <p:txBody>
-              <a:bodyPr wrap="square" lIns="0" tIns="0" rIns="0" bIns="0" rtlCol="0">
-                <a:spAutoFit/>
-              </a:bodyPr>
-              <a:lstStyle/>
-              <a:p>
-                <a14:m>
-                  <m:oMath xmlns:m="http://schemas.openxmlformats.org/officeDocument/2006/math">
-                    <m:limLow>
-                      <m:limLowPr>
-                        <m:ctrlPr>
-                          <a:rPr lang="pl-PL" sz="4400" smtClean="0"/>
-                        </m:ctrlPr>
-                      </m:limLowPr>
-                      <m:e>
-                        <m:r>
-                          <m:rPr>
-                            <m:sty m:val="p"/>
-                          </m:rPr>
-                          <a:rPr lang="pl-PL" sz="4400"/>
-                          <m:t>min</m:t>
-                        </m:r>
-                      </m:e>
-                      <m:lim>
-                        <m:r>
-                          <a:rPr lang="pl-PL" sz="4400" i="1"/>
-                          <m:t>𝛽</m:t>
-                        </m:r>
-                      </m:lim>
-                    </m:limLow>
-                    <m:d>
-                      <m:dPr>
-                        <m:begChr m:val="{"/>
-                        <m:endChr m:val="}"/>
-                        <m:ctrlPr>
-                          <a:rPr lang="pl-PL" sz="4400" i="1"/>
-                        </m:ctrlPr>
-                      </m:dPr>
-                      <m:e>
-                        <m:sSubSup>
-                          <m:sSubSupPr>
-                            <m:ctrlPr>
-                              <a:rPr lang="pl-PL" sz="4400" i="1"/>
-                            </m:ctrlPr>
-                          </m:sSubSupPr>
-                          <m:e>
-                            <m:f>
-                              <m:fPr>
-                                <m:ctrlPr>
-                                  <a:rPr lang="pl-PL" sz="4400" i="1" smtClean="0"/>
-                                </m:ctrlPr>
-                              </m:fPr>
-                              <m:num>
-                                <m:r>
-                                  <a:rPr lang="pl-PL" sz="4400" b="0" i="1" smtClean="0"/>
-                                  <m:t>1</m:t>
-                                </m:r>
-                              </m:num>
-                              <m:den>
-                                <m:r>
-                                  <a:rPr lang="pl-PL" sz="4400" b="0" i="1" smtClean="0"/>
-                                  <m:t>2</m:t>
-                                </m:r>
-                              </m:den>
-                            </m:f>
-                            <m:d>
-                              <m:dPr>
-                                <m:begChr m:val="‖"/>
-                                <m:endChr m:val="‖"/>
-                                <m:ctrlPr>
-                                  <a:rPr lang="pl-PL" sz="4400" i="1"/>
-                                </m:ctrlPr>
-                              </m:dPr>
-                              <m:e>
-                                <m:r>
-                                  <a:rPr lang="pl-PL" sz="4400" i="1"/>
-                                  <m:t>𝑦</m:t>
-                                </m:r>
-                                <m:r>
-                                  <a:rPr lang="pl-PL" sz="4400"/>
-                                  <m:t>−</m:t>
-                                </m:r>
-                                <m:r>
-                                  <a:rPr lang="pl-PL" sz="4400" i="1"/>
-                                  <m:t>𝑋</m:t>
-                                </m:r>
-                                <m:r>
-                                  <a:rPr lang="pl-PL" sz="4400" i="1"/>
-                                  <m:t>𝛽</m:t>
-                                </m:r>
-                              </m:e>
-                            </m:d>
-                          </m:e>
-                          <m:sub>
-                            <m:r>
-                              <a:rPr lang="pl-PL" sz="4400" i="1"/>
-                              <m:t>2</m:t>
-                            </m:r>
-                          </m:sub>
-                          <m:sup>
-                            <m:r>
-                              <a:rPr lang="pl-PL" sz="4400" i="1"/>
-                              <m:t>2</m:t>
-                            </m:r>
-                          </m:sup>
-                        </m:sSubSup>
-                        <m:r>
-                          <a:rPr lang="pl-PL" sz="4400" i="0"/>
-                          <m:t>+</m:t>
-                        </m:r>
-                        <m:sSub>
-                          <m:sSubPr>
-                            <m:ctrlPr>
-                              <a:rPr lang="pl-PL" sz="4400" i="1" smtClean="0"/>
-                            </m:ctrlPr>
-                          </m:sSubPr>
-                          <m:e>
-                            <m:r>
-                              <a:rPr lang="pl-PL" sz="4400" i="1"/>
-                              <m:t>𝜆</m:t>
-                            </m:r>
-                            <m:d>
-                              <m:dPr>
-                                <m:begChr m:val="‖"/>
-                                <m:endChr m:val="‖"/>
-                                <m:ctrlPr>
-                                  <a:rPr lang="pl-PL" sz="4400" i="1"/>
-                                </m:ctrlPr>
-                              </m:dPr>
-                              <m:e>
-                                <m:r>
-                                  <a:rPr lang="pl-PL" sz="4400" i="1"/>
-                                  <m:t>𝛽</m:t>
-                                </m:r>
-                              </m:e>
-                            </m:d>
-                          </m:e>
-                          <m:sub>
-                            <m:r>
-                              <a:rPr lang="pl-PL" sz="4400" b="0" i="1" smtClean="0"/>
-                              <m:t>1</m:t>
-                            </m:r>
-                          </m:sub>
-                        </m:sSub>
-                      </m:e>
-                    </m:d>
-                  </m:oMath>
-                </a14:m>
-                <a:r>
-                  <a:rPr lang="pl-PL" sz="4400" dirty="0"/>
-                  <a:t>,  </a:t>
-                </a:r>
-                <a14:m>
-                  <m:oMath xmlns:m="http://schemas.openxmlformats.org/officeDocument/2006/math">
-                    <m:r>
-                      <a:rPr lang="pl-PL" sz="4400" i="1"/>
-                      <m:t>𝜆</m:t>
-                    </m:r>
-                    <m:r>
-                      <a:rPr lang="pl-PL" sz="4400" b="0" i="1" smtClean="0"/>
-                      <m:t>&gt;0</m:t>
-                    </m:r>
-                  </m:oMath>
-                </a14:m>
-                <a:endParaRPr lang="pl-PL" sz="4400" dirty="0"/>
-              </a:p>
-            </p:txBody>
-          </p:sp>
-        </mc:Choice>
-        <mc:Fallback>
-          <p:sp>
-            <p:nvSpPr>
-              <p:cNvPr id="5" name="pole tekstowe 4">
-                <a:extLst>
-                  <a:ext uri="{FF2B5EF4-FFF2-40B4-BE49-F238E27FC236}">
-                    <a16:creationId xmlns:a16="http://schemas.microsoft.com/office/drawing/2014/main" id="{2194D232-8414-4EEE-939A-56E444303D5D}"/>
-                  </a:ext>
-                </a:extLst>
-              </p:cNvPr>
-              <p:cNvSpPr txBox="1">
-                <a:spLocks noRot="1" noChangeAspect="1" noMove="1" noResize="1" noEditPoints="1" noAdjustHandles="1" noChangeArrowheads="1" noChangeShapeType="1" noTextEdit="1"/>
-              </p:cNvSpPr>
-              <p:nvPr/>
-            </p:nvSpPr>
-            <p:spPr>
-              <a:xfrm>
-                <a:off x="1864312" y="3429000"/>
-                <a:ext cx="8272818" cy="1134221"/>
-              </a:xfrm>
-              <a:prstGeom prst="rect">
-                <a:avLst/>
-              </a:prstGeom>
-              <a:blipFill>
-                <a:blip r:embed="rId2"/>
-                <a:stretch>
-                  <a:fillRect t="-538" b="-3226"/>
-                </a:stretch>
-              </a:blipFill>
-            </p:spPr>
-            <p:txBody>
-              <a:bodyPr/>
-              <a:lstStyle/>
-              <a:p>
-                <a:r>
-                  <a:rPr lang="pl-PL">
-                    <a:noFill/>
-                  </a:rPr>
-                  <a:t> </a:t>
-                </a:r>
-              </a:p>
-            </p:txBody>
-          </p:sp>
-        </mc:Fallback>
-      </mc:AlternateContent>
-    </p:spTree>
-    <p:extLst>
-      <p:ext uri="{BB962C8B-B14F-4D97-AF65-F5344CB8AC3E}">
-        <p14:creationId xmlns:p14="http://schemas.microsoft.com/office/powerpoint/2010/main" val="3180447633"/>
-      </p:ext>
-    </p:extLst>
-  </p:cSld>
-  <p:clrMapOvr>
-    <a:masterClrMapping/>
-  </p:clrMapOvr>
-</p:sld>
-</file>
-
-<file path=ppt/slides/slide4.xml><?xml version="1.0" encoding="utf-8"?>
-<p:sld xmlns:a="http://schemas.openxmlformats.org/drawingml/2006/main" xmlns:r="http://schemas.openxmlformats.org/officeDocument/2006/relationships" xmlns:p="http://schemas.openxmlformats.org/presentationml/2006/main">
-  <p:cSld>
-    <p:spTree>
-      <p:nvGrpSpPr>
-        <p:cNvPr id="1" name=""/>
-        <p:cNvGrpSpPr/>
-        <p:nvPr/>
-      </p:nvGrpSpPr>
-      <p:grpSpPr>
-        <a:xfrm>
-          <a:off x="0" y="0"/>
-          <a:ext cx="0" cy="0"/>
-          <a:chOff x="0" y="0"/>
-          <a:chExt cx="0" cy="0"/>
-        </a:xfrm>
-      </p:grpSpPr>
-      <p:sp>
-        <p:nvSpPr>
-          <p:cNvPr id="2" name="Tytuł 1">
-            <a:extLst>
-              <a:ext uri="{FF2B5EF4-FFF2-40B4-BE49-F238E27FC236}">
-                <a16:creationId xmlns:a16="http://schemas.microsoft.com/office/drawing/2014/main" id="{6CA16AEF-63AF-437E-A5D8-6E3E7549EF84}"/>
-              </a:ext>
-            </a:extLst>
-          </p:cNvPr>
-          <p:cNvSpPr>
-            <a:spLocks noGrp="1"/>
-          </p:cNvSpPr>
-          <p:nvPr>
-            <p:ph type="title"/>
-          </p:nvPr>
-        </p:nvSpPr>
-        <p:spPr/>
-        <p:txBody>
-          <a:bodyPr>
-            <a:normAutofit/>
-          </a:bodyPr>
-          <a:lstStyle/>
-          <a:p>
-            <a:r>
-              <a:rPr lang="pl-PL" sz="3600" b="1" dirty="0"/>
-              <a:t>Wyznawania w uczeniu maszynowym</a:t>
-            </a:r>
-          </a:p>
-        </p:txBody>
-      </p:sp>
-      <p:graphicFrame>
-        <p:nvGraphicFramePr>
-          <p:cNvPr id="4" name="Symbol zastępczy zawartości 3">
-            <a:extLst>
-              <a:ext uri="{FF2B5EF4-FFF2-40B4-BE49-F238E27FC236}">
-                <a16:creationId xmlns:a16="http://schemas.microsoft.com/office/drawing/2014/main" id="{DDBFB703-5694-4EA5-A414-418DC6284FEB}"/>
-              </a:ext>
-            </a:extLst>
-          </p:cNvPr>
-          <p:cNvGraphicFramePr>
-            <a:graphicFrameLocks noGrp="1"/>
-          </p:cNvGraphicFramePr>
-          <p:nvPr>
-            <p:ph idx="1"/>
-            <p:extLst>
-              <p:ext uri="{D42A27DB-BD31-4B8C-83A1-F6EECF244321}">
-                <p14:modId xmlns:p14="http://schemas.microsoft.com/office/powerpoint/2010/main" val="150703513"/>
-              </p:ext>
-            </p:extLst>
-          </p:nvPr>
-        </p:nvGraphicFramePr>
-        <p:xfrm>
-          <a:off x="-3959727" y="2336178"/>
-          <a:ext cx="12590544" cy="4318377"/>
-        </p:xfrm>
-        <a:graphic>
-          <a:graphicData uri="http://schemas.openxmlformats.org/drawingml/2006/diagram">
-            <dgm:relIds xmlns:dgm="http://schemas.openxmlformats.org/drawingml/2006/diagram" xmlns:r="http://schemas.openxmlformats.org/officeDocument/2006/relationships" r:dm="rId2" r:lo="rId3" r:qs="rId4" r:cs="rId5"/>
-          </a:graphicData>
-        </a:graphic>
-      </p:graphicFrame>
-      <p:sp>
-        <p:nvSpPr>
-          <p:cNvPr id="6" name="Strzałka: w prawo 5">
-            <a:extLst>
-              <a:ext uri="{FF2B5EF4-FFF2-40B4-BE49-F238E27FC236}">
-                <a16:creationId xmlns:a16="http://schemas.microsoft.com/office/drawing/2014/main" id="{216B09B8-5034-41DA-AF82-CF572C3E8AD3}"/>
-              </a:ext>
-            </a:extLst>
-          </p:cNvPr>
-          <p:cNvSpPr/>
-          <p:nvPr/>
-        </p:nvSpPr>
-        <p:spPr>
-          <a:xfrm>
-            <a:off x="5902036" y="3519055"/>
-            <a:ext cx="3168073" cy="1348509"/>
-          </a:xfrm>
-          <a:prstGeom prst="rightArrow">
-            <a:avLst/>
-          </a:prstGeom>
-          <a:solidFill>
-            <a:schemeClr val="accent2"/>
-          </a:solidFill>
-        </p:spPr>
-        <p:style>
-          <a:lnRef idx="2">
-            <a:schemeClr val="accent1">
-              <a:shade val="50000"/>
-            </a:schemeClr>
-          </a:lnRef>
-          <a:fillRef idx="1">
-            <a:schemeClr val="accent1"/>
-          </a:fillRef>
-          <a:effectRef idx="0">
-            <a:schemeClr val="accent1"/>
-          </a:effectRef>
-          <a:fontRef idx="minor">
-            <a:schemeClr val="lt1"/>
-          </a:fontRef>
-        </p:style>
-        <p:txBody>
-          <a:bodyPr rtlCol="0" anchor="ctr"/>
-          <a:lstStyle/>
-          <a:p>
-            <a:pPr algn="ctr"/>
-            <a:r>
-              <a:rPr lang="pl-PL" dirty="0">
-                <a:solidFill>
-                  <a:schemeClr val="bg1"/>
-                </a:solidFill>
-              </a:rPr>
-              <a:t>SELEKCJA ZMIENNYCH</a:t>
-            </a:r>
-          </a:p>
-        </p:txBody>
-      </p:sp>
-      <p:sp>
-        <p:nvSpPr>
-          <p:cNvPr id="7" name="pole tekstowe 6">
-            <a:extLst>
-              <a:ext uri="{FF2B5EF4-FFF2-40B4-BE49-F238E27FC236}">
-                <a16:creationId xmlns:a16="http://schemas.microsoft.com/office/drawing/2014/main" id="{2013BCB2-DE22-4451-A257-830C0DA8F150}"/>
-              </a:ext>
-            </a:extLst>
-          </p:cNvPr>
-          <p:cNvSpPr txBox="1"/>
-          <p:nvPr/>
-        </p:nvSpPr>
-        <p:spPr>
-          <a:xfrm>
-            <a:off x="9143690" y="3002651"/>
-            <a:ext cx="2965183" cy="1877437"/>
-          </a:xfrm>
-          <a:prstGeom prst="rect">
-            <a:avLst/>
-          </a:prstGeom>
-          <a:noFill/>
-        </p:spPr>
-        <p:txBody>
-          <a:bodyPr wrap="square" rtlCol="0">
-            <a:spAutoFit/>
-          </a:bodyPr>
-          <a:lstStyle/>
-          <a:p>
-            <a:r>
-              <a:rPr lang="pl-PL" sz="2400" dirty="0"/>
-              <a:t>Algorytmy:</a:t>
-            </a:r>
-          </a:p>
-          <a:p>
-            <a:pPr marL="285750" indent="-285750">
-              <a:buFontTx/>
-              <a:buChar char="-"/>
-            </a:pPr>
-            <a:r>
-              <a:rPr lang="pl-PL" sz="2400" dirty="0"/>
-              <a:t>LASSO</a:t>
-            </a:r>
-          </a:p>
-          <a:p>
-            <a:pPr marL="285750" indent="-285750">
-              <a:buFontTx/>
-              <a:buChar char="-"/>
-            </a:pPr>
-            <a:r>
-              <a:rPr lang="pl-PL" sz="2400" dirty="0" err="1"/>
-              <a:t>Stagewise</a:t>
-            </a:r>
-            <a:r>
-              <a:rPr lang="pl-PL" sz="2400" dirty="0"/>
-              <a:t> </a:t>
-            </a:r>
-            <a:r>
-              <a:rPr lang="pl-PL" sz="2400" dirty="0" err="1"/>
-              <a:t>Forward</a:t>
-            </a:r>
-            <a:endParaRPr lang="pl-PL" sz="2400" dirty="0"/>
-          </a:p>
-          <a:p>
-            <a:pPr marL="285750" indent="-285750">
-              <a:buFontTx/>
-              <a:buChar char="-"/>
-            </a:pPr>
-            <a:r>
-              <a:rPr lang="pl-PL" sz="2400" b="1" dirty="0"/>
-              <a:t>LARS</a:t>
-            </a:r>
-          </a:p>
-          <a:p>
-            <a:pPr marL="285750" indent="-285750">
-              <a:buFontTx/>
-              <a:buChar char="-"/>
-            </a:pPr>
-            <a:endParaRPr lang="pl-PL" sz="2000" dirty="0"/>
-          </a:p>
-        </p:txBody>
-      </p:sp>
-    </p:spTree>
-    <p:extLst>
-      <p:ext uri="{BB962C8B-B14F-4D97-AF65-F5344CB8AC3E}">
-        <p14:creationId xmlns:p14="http://schemas.microsoft.com/office/powerpoint/2010/main" val="2443359518"/>
-      </p:ext>
-    </p:extLst>
-  </p:cSld>
-  <p:clrMapOvr>
-    <a:masterClrMapping/>
-  </p:clrMapOvr>
-</p:sld>
-</file>
-
-<file path=ppt/slides/slide5.xml><?xml version="1.0" encoding="utf-8"?>
-<p:sld xmlns:a="http://schemas.openxmlformats.org/drawingml/2006/main" xmlns:r="http://schemas.openxmlformats.org/officeDocument/2006/relationships" xmlns:p="http://schemas.openxmlformats.org/presentationml/2006/main">
-  <p:cSld>
-    <p:spTree>
-      <p:nvGrpSpPr>
-        <p:cNvPr id="1" name=""/>
-        <p:cNvGrpSpPr/>
-        <p:nvPr/>
-      </p:nvGrpSpPr>
-      <p:grpSpPr>
-        <a:xfrm>
-          <a:off x="0" y="0"/>
-          <a:ext cx="0" cy="0"/>
-          <a:chOff x="0" y="0"/>
-          <a:chExt cx="0" cy="0"/>
-        </a:xfrm>
-      </p:grpSpPr>
-      <p:sp>
-        <p:nvSpPr>
-          <p:cNvPr id="2" name="Tytuł 1">
-            <a:extLst>
-              <a:ext uri="{FF2B5EF4-FFF2-40B4-BE49-F238E27FC236}">
-                <a16:creationId xmlns:a16="http://schemas.microsoft.com/office/drawing/2014/main" id="{100F46B3-9BEA-436D-B34D-A4EB760A7252}"/>
-              </a:ext>
-            </a:extLst>
-          </p:cNvPr>
-          <p:cNvSpPr>
-            <a:spLocks noGrp="1"/>
-          </p:cNvSpPr>
-          <p:nvPr>
-            <p:ph type="title"/>
-          </p:nvPr>
-        </p:nvSpPr>
-        <p:spPr/>
-        <p:txBody>
-          <a:bodyPr>
-            <a:normAutofit/>
-          </a:bodyPr>
-          <a:lstStyle/>
-          <a:p>
-            <a:r>
-              <a:rPr lang="pl-PL" sz="3600" b="1" dirty="0"/>
-              <a:t>Regresja metodą najmniejszego kąta</a:t>
-            </a:r>
-          </a:p>
-        </p:txBody>
-      </p:sp>
-      <p:sp>
-        <p:nvSpPr>
-          <p:cNvPr id="5" name="Prostokąt 4">
-            <a:extLst>
-              <a:ext uri="{FF2B5EF4-FFF2-40B4-BE49-F238E27FC236}">
-                <a16:creationId xmlns:a16="http://schemas.microsoft.com/office/drawing/2014/main" id="{5B4CCC1E-B1C5-4079-A32E-FFDA2C175067}"/>
-              </a:ext>
-            </a:extLst>
-          </p:cNvPr>
-          <p:cNvSpPr/>
-          <p:nvPr/>
-        </p:nvSpPr>
-        <p:spPr>
-          <a:xfrm>
-            <a:off x="6439973" y="1859586"/>
-            <a:ext cx="5536004" cy="5052602"/>
-          </a:xfrm>
-          <a:prstGeom prst="rect">
-            <a:avLst/>
-          </a:prstGeom>
-        </p:spPr>
-        <p:txBody>
-          <a:bodyPr wrap="square">
-            <a:spAutoFit/>
-          </a:bodyPr>
-          <a:lstStyle/>
-          <a:p>
-            <a:pPr>
-              <a:lnSpc>
-                <a:spcPct val="150000"/>
-              </a:lnSpc>
-            </a:pPr>
-            <a:r>
-              <a:rPr lang="pl-PL" sz="1900" i="1" dirty="0"/>
-              <a:t>inicjalizacja: zbiór aktywny jest pusty </a:t>
-            </a:r>
-          </a:p>
-          <a:p>
-            <a:pPr marL="342900" indent="-342900">
-              <a:lnSpc>
-                <a:spcPct val="150000"/>
-              </a:lnSpc>
-              <a:buFont typeface="+mj-lt"/>
-              <a:buAutoNum type="arabicPeriod"/>
-            </a:pPr>
-            <a:r>
-              <a:rPr lang="pl-PL" dirty="0"/>
-              <a:t>znajdź zmienną objaśniającą o największej korelacji z residuum</a:t>
-            </a:r>
-          </a:p>
-          <a:p>
-            <a:pPr marL="342900" indent="-342900">
-              <a:lnSpc>
-                <a:spcPct val="150000"/>
-              </a:lnSpc>
-              <a:buFont typeface="+mj-lt"/>
-              <a:buAutoNum type="arabicPeriod"/>
-            </a:pPr>
-            <a:r>
-              <a:rPr lang="pl-PL" dirty="0"/>
-              <a:t>idź w kierunku nowo wybranej zmiennej, tak długo aż inna zmienna w zbiorze nieaktywnych będzie miała taką samą lub większą korelację z residuum. </a:t>
-            </a:r>
-          </a:p>
-          <a:p>
-            <a:pPr marL="342900" indent="-342900">
-              <a:lnSpc>
-                <a:spcPct val="150000"/>
-              </a:lnSpc>
-              <a:buFont typeface="+mj-lt"/>
-              <a:buAutoNum type="arabicPeriod"/>
-            </a:pPr>
-            <a:r>
-              <a:rPr lang="pl-PL" dirty="0"/>
-              <a:t>Sprawdź warunki stopu, jeśli nie są spełnione, idź do pkt. 4, w przeciwnym przypadku zakończ.</a:t>
-            </a:r>
-          </a:p>
-          <a:p>
-            <a:pPr marL="342900" indent="-342900">
-              <a:lnSpc>
-                <a:spcPct val="150000"/>
-              </a:lnSpc>
-              <a:buFont typeface="+mj-lt"/>
-              <a:buAutoNum type="arabicPeriod"/>
-            </a:pPr>
-            <a:r>
-              <a:rPr lang="pl-PL" dirty="0"/>
-              <a:t>Dołącz kolejną zmienną, idź w kierunku wyznaczonym przez aktualną i poprzednią zmienną tak długo jak opisano w pkt 2.  </a:t>
-            </a:r>
-          </a:p>
-          <a:p>
-            <a:pPr marL="342900" indent="-342900">
-              <a:lnSpc>
-                <a:spcPct val="150000"/>
-              </a:lnSpc>
-              <a:buFont typeface="+mj-lt"/>
-              <a:buAutoNum type="arabicPeriod"/>
-            </a:pPr>
-            <a:r>
-              <a:rPr lang="pl-PL" dirty="0"/>
-              <a:t>Wróć do pkt 3.</a:t>
-            </a:r>
-          </a:p>
-        </p:txBody>
-      </p:sp>
-      <p:pic>
-        <p:nvPicPr>
-          <p:cNvPr id="6" name="Obraz 5">
-            <a:extLst>
-              <a:ext uri="{FF2B5EF4-FFF2-40B4-BE49-F238E27FC236}">
-                <a16:creationId xmlns:a16="http://schemas.microsoft.com/office/drawing/2014/main" id="{FF0EA678-D91E-4D9A-8D12-9D3E72544EE6}"/>
-              </a:ext>
-            </a:extLst>
-          </p:cNvPr>
-          <p:cNvPicPr>
-            <a:picLocks noChangeAspect="1"/>
-          </p:cNvPicPr>
-          <p:nvPr/>
-        </p:nvPicPr>
-        <p:blipFill>
-          <a:blip r:embed="rId2"/>
-          <a:stretch>
-            <a:fillRect/>
-          </a:stretch>
-        </p:blipFill>
-        <p:spPr>
-          <a:xfrm>
-            <a:off x="47027" y="2429341"/>
-            <a:ext cx="6288386" cy="3829416"/>
-          </a:xfrm>
-          <a:prstGeom prst="rect">
-            <a:avLst/>
-          </a:prstGeom>
-        </p:spPr>
-      </p:pic>
-    </p:spTree>
-    <p:extLst>
-      <p:ext uri="{BB962C8B-B14F-4D97-AF65-F5344CB8AC3E}">
-        <p14:creationId xmlns:p14="http://schemas.microsoft.com/office/powerpoint/2010/main" val="2084005113"/>
-      </p:ext>
-    </p:extLst>
-  </p:cSld>
-  <p:clrMapOvr>
-    <a:masterClrMapping/>
-  </p:clrMapOvr>
-</p:sld>
-</file>
-
-<file path=ppt/slides/slide6.xml><?xml version="1.0" encoding="utf-8"?>
-<p:sld xmlns:a="http://schemas.openxmlformats.org/drawingml/2006/main" xmlns:r="http://schemas.openxmlformats.org/officeDocument/2006/relationships" xmlns:p="http://schemas.openxmlformats.org/presentationml/2006/main">
-  <p:cSld>
-    <p:spTree>
-      <p:nvGrpSpPr>
-        <p:cNvPr id="1" name=""/>
-        <p:cNvGrpSpPr/>
-        <p:nvPr/>
-      </p:nvGrpSpPr>
-      <p:grpSpPr>
-        <a:xfrm>
-          <a:off x="0" y="0"/>
-          <a:ext cx="0" cy="0"/>
-          <a:chOff x="0" y="0"/>
-          <a:chExt cx="0" cy="0"/>
-        </a:xfrm>
-      </p:grpSpPr>
-      <p:sp>
-        <p:nvSpPr>
-          <p:cNvPr id="2" name="Tytuł 1">
-            <a:extLst>
-              <a:ext uri="{FF2B5EF4-FFF2-40B4-BE49-F238E27FC236}">
-                <a16:creationId xmlns:a16="http://schemas.microsoft.com/office/drawing/2014/main" id="{C0DA4E6A-4D5C-445E-A1CF-B7708AC85700}"/>
-              </a:ext>
-            </a:extLst>
-          </p:cNvPr>
-          <p:cNvSpPr>
-            <a:spLocks noGrp="1"/>
-          </p:cNvSpPr>
-          <p:nvPr>
-            <p:ph type="title"/>
-          </p:nvPr>
-        </p:nvSpPr>
-        <p:spPr/>
-        <p:txBody>
-          <a:bodyPr>
-            <a:normAutofit/>
-          </a:bodyPr>
-          <a:lstStyle/>
-          <a:p>
-            <a:r>
-              <a:rPr lang="pl-PL" sz="4000" b="1" dirty="0"/>
-              <a:t>Wyjaśnienie nazwy metody</a:t>
-            </a:r>
-          </a:p>
-        </p:txBody>
-      </p:sp>
-      <mc:AlternateContent xmlns:mc="http://schemas.openxmlformats.org/markup-compatibility/2006">
-        <mc:Choice xmlns:a14="http://schemas.microsoft.com/office/drawing/2010/main" Requires="a14">
-          <p:sp>
-            <p:nvSpPr>
-              <p:cNvPr id="4" name="Symbol zastępczy zawartości 3">
-                <a:extLst>
-                  <a:ext uri="{FF2B5EF4-FFF2-40B4-BE49-F238E27FC236}">
-                    <a16:creationId xmlns:a16="http://schemas.microsoft.com/office/drawing/2014/main" id="{D0280942-0C38-44EB-927D-5358E9B88AC2}"/>
-                  </a:ext>
-                </a:extLst>
-              </p:cNvPr>
-              <p:cNvSpPr txBox="1">
-                <a:spLocks noGrp="1"/>
-              </p:cNvSpPr>
-              <p:nvPr>
-                <p:ph idx="1"/>
-              </p:nvPr>
-            </p:nvSpPr>
-            <p:spPr>
-              <a:xfrm>
-                <a:off x="581192" y="3078032"/>
-                <a:ext cx="4757955" cy="3530197"/>
-              </a:xfrm>
-              <a:prstGeom prst="rect">
-                <a:avLst/>
-              </a:prstGeom>
-              <a:noFill/>
-            </p:spPr>
-            <p:txBody>
-              <a:bodyPr wrap="square" rtlCol="0">
-                <a:spAutoFit/>
-              </a:bodyPr>
-              <a:lstStyle/>
-              <a:p>
-                <a:pPr marL="0" indent="0">
-                  <a:buNone/>
-                </a:pPr>
-                <a:endParaRPr lang="pl-PL" dirty="0"/>
-              </a:p>
-              <a:p>
-                <a:pPr marL="0" indent="0">
-                  <a:buNone/>
-                </a:pPr>
-                <a:r>
-                  <a:rPr lang="pl-PL" sz="2400" dirty="0"/>
-                  <a:t>Korelacja:</a:t>
-                </a:r>
-              </a:p>
-              <a:p>
-                <a:pPr marL="0" indent="0">
-                  <a:buNone/>
-                </a:pPr>
-                <a14:m>
-                  <m:oMathPara xmlns:m="http://schemas.openxmlformats.org/officeDocument/2006/math">
-                    <m:oMathParaPr>
-                      <m:jc m:val="centerGroup"/>
-                    </m:oMathParaPr>
-                    <m:oMath xmlns:m="http://schemas.openxmlformats.org/officeDocument/2006/math">
-                      <m:r>
-                        <a:rPr lang="pl-PL" sz="2400" b="0" i="1" smtClean="0">
-                          <a:latin typeface="Cambria Math" panose="02040503050406030204" pitchFamily="18" charset="0"/>
-                        </a:rPr>
-                        <m:t>𝑐</m:t>
-                      </m:r>
-                      <m:r>
-                        <a:rPr lang="pl-PL" sz="2400" b="0" i="1" smtClean="0">
-                          <a:latin typeface="Cambria Math" panose="02040503050406030204" pitchFamily="18" charset="0"/>
-                        </a:rPr>
-                        <m:t>=</m:t>
-                      </m:r>
-                      <m:sSup>
-                        <m:sSupPr>
-                          <m:ctrlPr>
-                            <a:rPr lang="pl-PL" sz="2400" b="0" i="1" smtClean="0">
-                              <a:latin typeface="Cambria Math" panose="02040503050406030204" pitchFamily="18" charset="0"/>
-                            </a:rPr>
-                          </m:ctrlPr>
-                        </m:sSupPr>
-                        <m:e>
-                          <m:r>
-                            <a:rPr lang="pl-PL" sz="2400" b="0" i="1" smtClean="0">
-                              <a:latin typeface="Cambria Math" panose="02040503050406030204" pitchFamily="18" charset="0"/>
-                            </a:rPr>
-                            <m:t>𝑋</m:t>
-                          </m:r>
-                        </m:e>
-                        <m:sup>
-                          <m:r>
-                            <a:rPr lang="pl-PL" sz="2400" b="0" i="1" smtClean="0">
-                              <a:latin typeface="Cambria Math" panose="02040503050406030204" pitchFamily="18" charset="0"/>
-                            </a:rPr>
-                            <m:t>𝑇</m:t>
-                          </m:r>
-                        </m:sup>
-                      </m:sSup>
-                      <m:r>
-                        <a:rPr lang="pl-PL" sz="2400" b="0" i="1" smtClean="0">
-                          <a:latin typeface="Cambria Math" panose="02040503050406030204" pitchFamily="18" charset="0"/>
-                        </a:rPr>
-                        <m:t>𝑟</m:t>
-                      </m:r>
-                    </m:oMath>
-                  </m:oMathPara>
-                </a14:m>
-                <a:endParaRPr lang="pl-PL" sz="2400" b="0" dirty="0"/>
-              </a:p>
-              <a:p>
-                <a:pPr marL="0" indent="0">
-                  <a:buNone/>
-                </a:pPr>
-                <a:r>
-                  <a:rPr lang="pl-PL" sz="2400" dirty="0"/>
-                  <a:t>gdzie:</a:t>
-                </a:r>
-              </a:p>
-              <a:p>
-                <a:pPr marL="0" indent="0">
-                  <a:buNone/>
-                </a:pPr>
-                <a14:m>
-                  <m:oMathPara xmlns:m="http://schemas.openxmlformats.org/officeDocument/2006/math">
-                    <m:oMathParaPr>
-                      <m:jc m:val="centerGroup"/>
-                    </m:oMathParaPr>
-                    <m:oMath xmlns:m="http://schemas.openxmlformats.org/officeDocument/2006/math">
-                      <m:r>
-                        <a:rPr lang="pl-PL" sz="2400" b="0" i="1" smtClean="0">
-                          <a:latin typeface="Cambria Math" panose="02040503050406030204" pitchFamily="18" charset="0"/>
-                        </a:rPr>
-                        <m:t>𝑟</m:t>
-                      </m:r>
-                      <m:r>
-                        <a:rPr lang="pl-PL" sz="2400" b="0" i="1" smtClean="0">
-                          <a:latin typeface="Cambria Math" panose="02040503050406030204" pitchFamily="18" charset="0"/>
-                        </a:rPr>
-                        <m:t>=</m:t>
-                      </m:r>
-                      <m:r>
-                        <a:rPr lang="pl-PL" sz="2400" b="0" i="1" smtClean="0">
-                          <a:latin typeface="Cambria Math" panose="02040503050406030204" pitchFamily="18" charset="0"/>
-                        </a:rPr>
-                        <m:t>𝑦</m:t>
-                      </m:r>
-                      <m:r>
-                        <a:rPr lang="pl-PL" sz="2400" b="0" i="1" smtClean="0">
-                          <a:latin typeface="Cambria Math" panose="02040503050406030204" pitchFamily="18" charset="0"/>
-                        </a:rPr>
-                        <m:t>− </m:t>
-                      </m:r>
-                      <m:sSup>
-                        <m:sSupPr>
-                          <m:ctrlPr>
-                            <a:rPr lang="pl-PL" sz="2400" b="0" i="1" smtClean="0">
-                              <a:latin typeface="Cambria Math" panose="02040503050406030204" pitchFamily="18" charset="0"/>
-                            </a:rPr>
-                          </m:ctrlPr>
-                        </m:sSupPr>
-                        <m:e>
-                          <m:r>
-                            <a:rPr lang="pl-PL" sz="2400" b="0" i="1" smtClean="0">
-                              <a:latin typeface="Cambria Math" panose="02040503050406030204" pitchFamily="18" charset="0"/>
-                            </a:rPr>
-                            <m:t>𝑋</m:t>
-                          </m:r>
-                        </m:e>
-                        <m:sup>
-                          <m:r>
-                            <a:rPr lang="pl-PL" sz="2400" b="0" i="1" smtClean="0">
-                              <a:latin typeface="Cambria Math" panose="02040503050406030204" pitchFamily="18" charset="0"/>
-                            </a:rPr>
-                            <m:t>𝑇</m:t>
-                          </m:r>
-                        </m:sup>
-                      </m:sSup>
-                      <m:r>
-                        <a:rPr lang="pl-PL" sz="2400" b="0" i="1" smtClean="0">
-                          <a:latin typeface="Cambria Math" panose="02040503050406030204" pitchFamily="18" charset="0"/>
-                          <a:ea typeface="Cambria Math" panose="02040503050406030204" pitchFamily="18" charset="0"/>
-                        </a:rPr>
-                        <m:t>𝛽</m:t>
-                      </m:r>
-                    </m:oMath>
-                  </m:oMathPara>
-                </a14:m>
-                <a:endParaRPr lang="pl-PL" sz="2400" dirty="0"/>
-              </a:p>
-              <a:p>
-                <a:endParaRPr lang="pl-PL" dirty="0"/>
-              </a:p>
-              <a:p>
-                <a:endParaRPr lang="pl-PL" dirty="0"/>
-              </a:p>
-              <a:p>
-                <a:endParaRPr lang="pl-PL" dirty="0"/>
-              </a:p>
-            </p:txBody>
-          </p:sp>
-        </mc:Choice>
-        <mc:Fallback>
-          <p:sp>
-            <p:nvSpPr>
-              <p:cNvPr id="4" name="Symbol zastępczy zawartości 3">
-                <a:extLst>
-                  <a:ext uri="{FF2B5EF4-FFF2-40B4-BE49-F238E27FC236}">
-                    <a16:creationId xmlns:a16="http://schemas.microsoft.com/office/drawing/2014/main" id="{D0280942-0C38-44EB-927D-5358E9B88AC2}"/>
-                  </a:ext>
-                </a:extLst>
-              </p:cNvPr>
-              <p:cNvSpPr txBox="1">
-                <a:spLocks noGrp="1" noRot="1" noChangeAspect="1" noMove="1" noResize="1" noEditPoints="1" noAdjustHandles="1" noChangeArrowheads="1" noChangeShapeType="1" noTextEdit="1"/>
-              </p:cNvSpPr>
-              <p:nvPr>
-                <p:ph idx="1"/>
-              </p:nvPr>
-            </p:nvSpPr>
-            <p:spPr>
-              <a:xfrm>
-                <a:off x="581192" y="3078032"/>
-                <a:ext cx="4757955" cy="3530197"/>
-              </a:xfrm>
-              <a:prstGeom prst="rect">
-                <a:avLst/>
-              </a:prstGeom>
-              <a:blipFill>
-                <a:blip r:embed="rId2"/>
-                <a:stretch>
-                  <a:fillRect l="-1921"/>
-                </a:stretch>
-              </a:blipFill>
-            </p:spPr>
-            <p:txBody>
-              <a:bodyPr/>
-              <a:lstStyle/>
-              <a:p>
-                <a:r>
-                  <a:rPr lang="pl-PL">
-                    <a:noFill/>
-                  </a:rPr>
-                  <a:t> </a:t>
-                </a:r>
-              </a:p>
-            </p:txBody>
-          </p:sp>
-        </mc:Fallback>
-      </mc:AlternateContent>
-      <p:sp>
-        <p:nvSpPr>
-          <p:cNvPr id="5" name="Strzałka: w prawo 4">
-            <a:extLst>
-              <a:ext uri="{FF2B5EF4-FFF2-40B4-BE49-F238E27FC236}">
-                <a16:creationId xmlns:a16="http://schemas.microsoft.com/office/drawing/2014/main" id="{B3F2EB09-7407-456F-8E05-8A9195346C73}"/>
-              </a:ext>
-            </a:extLst>
-          </p:cNvPr>
-          <p:cNvSpPr/>
-          <p:nvPr/>
-        </p:nvSpPr>
-        <p:spPr>
-          <a:xfrm>
-            <a:off x="5223802" y="3597682"/>
-            <a:ext cx="3431926" cy="1256356"/>
-          </a:xfrm>
-          <a:prstGeom prst="rightArrow">
-            <a:avLst/>
-          </a:prstGeom>
-          <a:solidFill>
-            <a:schemeClr val="accent2">
-              <a:lumMod val="40000"/>
-              <a:lumOff val="60000"/>
-            </a:schemeClr>
-          </a:solidFill>
-        </p:spPr>
-        <p:style>
-          <a:lnRef idx="2">
-            <a:schemeClr val="accent1">
-              <a:shade val="50000"/>
-            </a:schemeClr>
-          </a:lnRef>
-          <a:fillRef idx="1">
-            <a:schemeClr val="accent1"/>
-          </a:fillRef>
-          <a:effectRef idx="0">
-            <a:schemeClr val="accent1"/>
-          </a:effectRef>
-          <a:fontRef idx="minor">
-            <a:schemeClr val="lt1"/>
-          </a:fontRef>
-        </p:style>
-        <p:txBody>
-          <a:bodyPr rtlCol="0" anchor="ctr"/>
-          <a:lstStyle/>
-          <a:p>
-            <a:pPr algn="ctr"/>
-            <a:r>
-              <a:rPr lang="pl-PL" dirty="0">
-                <a:solidFill>
-                  <a:schemeClr val="tx1"/>
-                </a:solidFill>
-              </a:rPr>
-              <a:t>SZUKAMY ZM. O NAJWIĘKSZEJ KORELACJI</a:t>
-            </a:r>
-          </a:p>
-        </p:txBody>
-      </p:sp>
-      <p:sp>
-        <p:nvSpPr>
-          <p:cNvPr id="6" name="Strzałka: w lewo 5">
-            <a:extLst>
-              <a:ext uri="{FF2B5EF4-FFF2-40B4-BE49-F238E27FC236}">
-                <a16:creationId xmlns:a16="http://schemas.microsoft.com/office/drawing/2014/main" id="{4F4DAFFC-D331-4F87-AB80-8CE60B339B38}"/>
-              </a:ext>
-            </a:extLst>
-          </p:cNvPr>
-          <p:cNvSpPr/>
-          <p:nvPr/>
-        </p:nvSpPr>
-        <p:spPr>
-          <a:xfrm rot="5872163">
-            <a:off x="3043957" y="3286779"/>
-            <a:ext cx="659990" cy="273761"/>
-          </a:xfrm>
-          <a:prstGeom prst="leftArrow">
-            <a:avLst/>
-          </a:prstGeom>
-          <a:solidFill>
-            <a:schemeClr val="accent2">
-              <a:lumMod val="40000"/>
-              <a:lumOff val="60000"/>
-            </a:schemeClr>
-          </a:solidFill>
-        </p:spPr>
-        <p:style>
-          <a:lnRef idx="2">
-            <a:schemeClr val="accent1">
-              <a:shade val="50000"/>
-            </a:schemeClr>
-          </a:lnRef>
-          <a:fillRef idx="1">
-            <a:schemeClr val="accent1"/>
-          </a:fillRef>
-          <a:effectRef idx="0">
-            <a:schemeClr val="accent1"/>
-          </a:effectRef>
-          <a:fontRef idx="minor">
-            <a:schemeClr val="lt1"/>
-          </a:fontRef>
-        </p:style>
-        <p:txBody>
-          <a:bodyPr rtlCol="0" anchor="ctr"/>
-          <a:lstStyle/>
-          <a:p>
-            <a:pPr algn="ctr"/>
-            <a:endParaRPr lang="pl-PL"/>
-          </a:p>
-        </p:txBody>
-      </p:sp>
-      <mc:AlternateContent xmlns:mc="http://schemas.openxmlformats.org/markup-compatibility/2006">
-        <mc:Choice xmlns:a14="http://schemas.microsoft.com/office/drawing/2010/main" Requires="a14">
-          <p:sp>
-            <p:nvSpPr>
-              <p:cNvPr id="7" name="pole tekstowe 6">
-                <a:extLst>
-                  <a:ext uri="{FF2B5EF4-FFF2-40B4-BE49-F238E27FC236}">
-                    <a16:creationId xmlns:a16="http://schemas.microsoft.com/office/drawing/2014/main" id="{67871BBF-4EFA-4D8D-BD1E-C6C9BE9174AE}"/>
-                  </a:ext>
-                </a:extLst>
-              </p:cNvPr>
-              <p:cNvSpPr txBox="1"/>
-              <p:nvPr/>
-            </p:nvSpPr>
-            <p:spPr>
-              <a:xfrm>
-                <a:off x="2302984" y="2186794"/>
-                <a:ext cx="2375548" cy="646331"/>
-              </a:xfrm>
-              <a:prstGeom prst="rect">
-                <a:avLst/>
-              </a:prstGeom>
-              <a:noFill/>
-            </p:spPr>
-            <p:txBody>
-              <a:bodyPr wrap="square" rtlCol="0">
-                <a:spAutoFit/>
-              </a:bodyPr>
-              <a:lstStyle/>
-              <a:p>
-                <a:pPr algn="ctr"/>
-                <a:r>
-                  <a:rPr lang="pl-PL" dirty="0"/>
-                  <a:t>Iloczyn skalarny</a:t>
-                </a:r>
-              </a:p>
-              <a:p>
-                <a:pPr algn="ctr"/>
-                <a:r>
-                  <a:rPr lang="pl-PL" dirty="0"/>
-                  <a:t>(</a:t>
-                </a:r>
-                <a14:m>
-                  <m:oMath xmlns:m="http://schemas.openxmlformats.org/officeDocument/2006/math">
-                    <m:r>
-                      <a:rPr lang="pl-PL" b="0" i="1" smtClean="0">
-                        <a:latin typeface="Cambria Math" panose="02040503050406030204" pitchFamily="18" charset="0"/>
-                      </a:rPr>
-                      <m:t>𝑎</m:t>
-                    </m:r>
-                    <m:r>
-                      <a:rPr lang="pl-PL" b="0" i="1" smtClean="0">
-                        <a:latin typeface="Cambria Math" panose="02040503050406030204" pitchFamily="18" charset="0"/>
-                        <a:ea typeface="Cambria Math" panose="02040503050406030204" pitchFamily="18" charset="0"/>
-                      </a:rPr>
-                      <m:t>∙</m:t>
-                    </m:r>
-                    <m:r>
-                      <a:rPr lang="pl-PL" b="0" i="1" smtClean="0">
-                        <a:latin typeface="Cambria Math" panose="02040503050406030204" pitchFamily="18" charset="0"/>
-                      </a:rPr>
-                      <m:t>𝑏</m:t>
-                    </m:r>
-                    <m:r>
-                      <a:rPr lang="pl-PL" b="0" i="1" smtClean="0">
-                        <a:latin typeface="Cambria Math" panose="02040503050406030204" pitchFamily="18" charset="0"/>
-                      </a:rPr>
-                      <m:t>=</m:t>
-                    </m:r>
-                    <m:d>
-                      <m:dPr>
-                        <m:begChr m:val="|"/>
-                        <m:endChr m:val="|"/>
-                        <m:ctrlPr>
-                          <a:rPr lang="pl-PL" b="0" i="1" smtClean="0">
-                            <a:latin typeface="Cambria Math" panose="02040503050406030204" pitchFamily="18" charset="0"/>
-                          </a:rPr>
-                        </m:ctrlPr>
-                      </m:dPr>
-                      <m:e>
-                        <m:r>
-                          <a:rPr lang="pl-PL" b="0" i="1" smtClean="0">
-                            <a:latin typeface="Cambria Math" panose="02040503050406030204" pitchFamily="18" charset="0"/>
-                          </a:rPr>
-                          <m:t>𝑎</m:t>
-                        </m:r>
-                      </m:e>
-                    </m:d>
-                    <m:d>
-                      <m:dPr>
-                        <m:begChr m:val="|"/>
-                        <m:endChr m:val="|"/>
-                        <m:ctrlPr>
-                          <a:rPr lang="pl-PL" b="0" i="1" smtClean="0">
-                            <a:latin typeface="Cambria Math" panose="02040503050406030204" pitchFamily="18" charset="0"/>
-                          </a:rPr>
-                        </m:ctrlPr>
-                      </m:dPr>
-                      <m:e>
-                        <m:r>
-                          <a:rPr lang="pl-PL" b="0" i="1" smtClean="0">
-                            <a:latin typeface="Cambria Math" panose="02040503050406030204" pitchFamily="18" charset="0"/>
-                          </a:rPr>
-                          <m:t>𝑏</m:t>
-                        </m:r>
-                      </m:e>
-                    </m:d>
-                    <m:r>
-                      <a:rPr lang="pl-PL" b="0" i="1" smtClean="0">
-                        <a:latin typeface="Cambria Math" panose="02040503050406030204" pitchFamily="18" charset="0"/>
-                      </a:rPr>
-                      <m:t>𝑐𝑜𝑠</m:t>
-                    </m:r>
-                    <m:r>
-                      <a:rPr lang="pl-PL" b="0" i="1" smtClean="0">
-                        <a:latin typeface="Cambria Math" panose="02040503050406030204" pitchFamily="18" charset="0"/>
-                        <a:ea typeface="Cambria Math" panose="02040503050406030204" pitchFamily="18" charset="0"/>
-                      </a:rPr>
-                      <m:t>𝛼</m:t>
-                    </m:r>
-                    <m:r>
-                      <a:rPr lang="pl-PL" b="0" i="1" smtClean="0">
-                        <a:latin typeface="Cambria Math" panose="02040503050406030204" pitchFamily="18" charset="0"/>
-                        <a:ea typeface="Cambria Math" panose="02040503050406030204" pitchFamily="18" charset="0"/>
-                      </a:rPr>
-                      <m:t>)</m:t>
-                    </m:r>
-                  </m:oMath>
-                </a14:m>
-                <a:endParaRPr lang="pl-PL" dirty="0"/>
-              </a:p>
-            </p:txBody>
-          </p:sp>
-        </mc:Choice>
-        <mc:Fallback>
-          <p:sp>
-            <p:nvSpPr>
-              <p:cNvPr id="7" name="pole tekstowe 6">
-                <a:extLst>
-                  <a:ext uri="{FF2B5EF4-FFF2-40B4-BE49-F238E27FC236}">
-                    <a16:creationId xmlns:a16="http://schemas.microsoft.com/office/drawing/2014/main" id="{67871BBF-4EFA-4D8D-BD1E-C6C9BE9174AE}"/>
-                  </a:ext>
-                </a:extLst>
-              </p:cNvPr>
-              <p:cNvSpPr txBox="1">
-                <a:spLocks noRot="1" noChangeAspect="1" noMove="1" noResize="1" noEditPoints="1" noAdjustHandles="1" noChangeArrowheads="1" noChangeShapeType="1" noTextEdit="1"/>
-              </p:cNvSpPr>
-              <p:nvPr/>
-            </p:nvSpPr>
-            <p:spPr>
-              <a:xfrm>
-                <a:off x="2302984" y="2186794"/>
-                <a:ext cx="2375548" cy="646331"/>
-              </a:xfrm>
-              <a:prstGeom prst="rect">
-                <a:avLst/>
-              </a:prstGeom>
-              <a:blipFill>
-                <a:blip r:embed="rId3"/>
-                <a:stretch>
-                  <a:fillRect t="-5660" b="-14151"/>
-                </a:stretch>
-              </a:blipFill>
-            </p:spPr>
-            <p:txBody>
-              <a:bodyPr/>
-              <a:lstStyle/>
-              <a:p>
-                <a:r>
-                  <a:rPr lang="pl-PL">
-                    <a:noFill/>
-                  </a:rPr>
-                  <a:t> </a:t>
-                </a:r>
-              </a:p>
-            </p:txBody>
-          </p:sp>
-        </mc:Fallback>
-      </mc:AlternateContent>
-      <mc:AlternateContent xmlns:mc="http://schemas.openxmlformats.org/markup-compatibility/2006">
-        <mc:Choice xmlns:a14="http://schemas.microsoft.com/office/drawing/2010/main" Requires="a14">
-          <p:sp>
-            <p:nvSpPr>
-              <p:cNvPr id="9" name="pole tekstowe 8">
-                <a:extLst>
-                  <a:ext uri="{FF2B5EF4-FFF2-40B4-BE49-F238E27FC236}">
-                    <a16:creationId xmlns:a16="http://schemas.microsoft.com/office/drawing/2014/main" id="{4E1C2AFB-1601-4F3E-B1A3-C07C1CB32722}"/>
-                  </a:ext>
-                </a:extLst>
-              </p:cNvPr>
-              <p:cNvSpPr txBox="1"/>
-              <p:nvPr/>
-            </p:nvSpPr>
-            <p:spPr>
-              <a:xfrm>
-                <a:off x="9447221" y="3013787"/>
-                <a:ext cx="1953088" cy="1754326"/>
-              </a:xfrm>
-              <a:prstGeom prst="rect">
-                <a:avLst/>
-              </a:prstGeom>
-              <a:noFill/>
-            </p:spPr>
-            <p:txBody>
-              <a:bodyPr wrap="square" rtlCol="0">
-                <a:spAutoFit/>
-              </a:bodyPr>
-              <a:lstStyle/>
-              <a:p>
-                <a:r>
-                  <a:rPr lang="pl-PL" dirty="0"/>
-                  <a:t>Czyli chcemy aby </a:t>
-                </a:r>
-                <a14:m>
-                  <m:oMath xmlns:m="http://schemas.openxmlformats.org/officeDocument/2006/math">
-                    <m:r>
-                      <a:rPr lang="pl-PL" i="1">
-                        <a:latin typeface="Cambria Math" panose="02040503050406030204" pitchFamily="18" charset="0"/>
-                      </a:rPr>
-                      <m:t>𝑐𝑜𝑠</m:t>
-                    </m:r>
-                    <m:r>
-                      <a:rPr lang="pl-PL" i="1">
-                        <a:latin typeface="Cambria Math" panose="02040503050406030204" pitchFamily="18" charset="0"/>
-                        <a:ea typeface="Cambria Math" panose="02040503050406030204" pitchFamily="18" charset="0"/>
-                      </a:rPr>
-                      <m:t>𝛼</m:t>
-                    </m:r>
-                  </m:oMath>
-                </a14:m>
-                <a:r>
-                  <a:rPr lang="pl-PL" dirty="0"/>
-                  <a:t> było maksymalne, co jest równoważne temu aby </a:t>
-                </a:r>
-                <a14:m>
-                  <m:oMath xmlns:m="http://schemas.openxmlformats.org/officeDocument/2006/math">
-                    <m:r>
-                      <a:rPr lang="pl-PL" i="1">
-                        <a:latin typeface="Cambria Math" panose="02040503050406030204" pitchFamily="18" charset="0"/>
-                        <a:ea typeface="Cambria Math" panose="02040503050406030204" pitchFamily="18" charset="0"/>
-                      </a:rPr>
-                      <m:t>𝛼</m:t>
-                    </m:r>
-                  </m:oMath>
-                </a14:m>
-                <a:r>
-                  <a:rPr lang="pl-PL" dirty="0"/>
-                  <a:t> było minimalne </a:t>
-                </a:r>
-              </a:p>
-            </p:txBody>
-          </p:sp>
-        </mc:Choice>
-        <mc:Fallback>
-          <p:sp>
-            <p:nvSpPr>
-              <p:cNvPr id="9" name="pole tekstowe 8">
-                <a:extLst>
-                  <a:ext uri="{FF2B5EF4-FFF2-40B4-BE49-F238E27FC236}">
-                    <a16:creationId xmlns:a16="http://schemas.microsoft.com/office/drawing/2014/main" id="{4E1C2AFB-1601-4F3E-B1A3-C07C1CB32722}"/>
-                  </a:ext>
-                </a:extLst>
-              </p:cNvPr>
-              <p:cNvSpPr txBox="1">
-                <a:spLocks noRot="1" noChangeAspect="1" noMove="1" noResize="1" noEditPoints="1" noAdjustHandles="1" noChangeArrowheads="1" noChangeShapeType="1" noTextEdit="1"/>
-              </p:cNvSpPr>
-              <p:nvPr/>
-            </p:nvSpPr>
-            <p:spPr>
-              <a:xfrm>
-                <a:off x="9447221" y="3013787"/>
-                <a:ext cx="1953088" cy="1754326"/>
-              </a:xfrm>
-              <a:prstGeom prst="rect">
-                <a:avLst/>
-              </a:prstGeom>
-              <a:blipFill>
-                <a:blip r:embed="rId4"/>
-                <a:stretch>
-                  <a:fillRect l="-2813" t="-1736" b="-4514"/>
-                </a:stretch>
-              </a:blipFill>
-            </p:spPr>
-            <p:txBody>
-              <a:bodyPr/>
-              <a:lstStyle/>
-              <a:p>
-                <a:r>
-                  <a:rPr lang="pl-PL">
-                    <a:noFill/>
-                  </a:rPr>
-                  <a:t> </a:t>
-                </a:r>
-              </a:p>
-            </p:txBody>
-          </p:sp>
-        </mc:Fallback>
-      </mc:AlternateContent>
-      <p:sp>
-        <p:nvSpPr>
-          <p:cNvPr id="10" name="Równa się 9">
-            <a:extLst>
-              <a:ext uri="{FF2B5EF4-FFF2-40B4-BE49-F238E27FC236}">
-                <a16:creationId xmlns:a16="http://schemas.microsoft.com/office/drawing/2014/main" id="{69B8D0A3-88BD-448C-B061-7F31FE6AB462}"/>
-              </a:ext>
-            </a:extLst>
-          </p:cNvPr>
-          <p:cNvSpPr/>
-          <p:nvPr/>
-        </p:nvSpPr>
-        <p:spPr>
-          <a:xfrm rot="10800000">
-            <a:off x="9931647" y="4837932"/>
-            <a:ext cx="984237" cy="598423"/>
-          </a:xfrm>
-          <a:prstGeom prst="mathEqual">
-            <a:avLst/>
-          </a:prstGeom>
-          <a:solidFill>
-            <a:schemeClr val="accent2">
-              <a:lumMod val="40000"/>
-              <a:lumOff val="60000"/>
-            </a:schemeClr>
-          </a:solidFill>
-        </p:spPr>
-        <p:style>
-          <a:lnRef idx="2">
-            <a:schemeClr val="accent1">
-              <a:shade val="50000"/>
-            </a:schemeClr>
-          </a:lnRef>
-          <a:fillRef idx="1">
-            <a:schemeClr val="accent1"/>
-          </a:fillRef>
-          <a:effectRef idx="0">
-            <a:schemeClr val="accent1"/>
-          </a:effectRef>
-          <a:fontRef idx="minor">
-            <a:schemeClr val="lt1"/>
-          </a:fontRef>
-        </p:style>
-        <p:txBody>
-          <a:bodyPr rtlCol="0" anchor="ctr"/>
-          <a:lstStyle/>
-          <a:p>
-            <a:pPr algn="ctr"/>
-            <a:endParaRPr lang="pl-PL">
-              <a:solidFill>
-                <a:schemeClr val="tx1"/>
-              </a:solidFill>
-            </a:endParaRPr>
-          </a:p>
-        </p:txBody>
-      </p:sp>
-      <p:sp>
-        <p:nvSpPr>
-          <p:cNvPr id="11" name="pole tekstowe 10">
-            <a:extLst>
-              <a:ext uri="{FF2B5EF4-FFF2-40B4-BE49-F238E27FC236}">
-                <a16:creationId xmlns:a16="http://schemas.microsoft.com/office/drawing/2014/main" id="{C6D9A64D-D955-4A96-A909-9E7ECC05AF76}"/>
-              </a:ext>
-            </a:extLst>
-          </p:cNvPr>
-          <p:cNvSpPr txBox="1"/>
-          <p:nvPr/>
-        </p:nvSpPr>
-        <p:spPr>
-          <a:xfrm>
-            <a:off x="9088269" y="5487214"/>
-            <a:ext cx="3053918" cy="646331"/>
-          </a:xfrm>
-          <a:prstGeom prst="rect">
-            <a:avLst/>
-          </a:prstGeom>
-          <a:noFill/>
-        </p:spPr>
-        <p:txBody>
-          <a:bodyPr wrap="square" rtlCol="0">
-            <a:spAutoFit/>
-          </a:bodyPr>
-          <a:lstStyle/>
-          <a:p>
-            <a:r>
-              <a:rPr lang="pl-PL" dirty="0"/>
-              <a:t>Regresja metodą najmniejszego kąta (LARS)</a:t>
-            </a:r>
-          </a:p>
-        </p:txBody>
-      </p:sp>
-    </p:spTree>
-    <p:extLst>
-      <p:ext uri="{BB962C8B-B14F-4D97-AF65-F5344CB8AC3E}">
-        <p14:creationId xmlns:p14="http://schemas.microsoft.com/office/powerpoint/2010/main" val="2976884015"/>
-      </p:ext>
-    </p:extLst>
-  </p:cSld>
-  <p:clrMapOvr>
-    <a:masterClrMapping/>
-  </p:clrMapOvr>
-</p:sld>
-</file>
-
-<file path=ppt/slides/slide7.xml><?xml version="1.0" encoding="utf-8"?>
-<p:sld xmlns:a="http://schemas.openxmlformats.org/drawingml/2006/main" xmlns:r="http://schemas.openxmlformats.org/officeDocument/2006/relationships" xmlns:p="http://schemas.openxmlformats.org/presentationml/2006/main">
-  <p:cSld>
-    <p:spTree>
-      <p:nvGrpSpPr>
-        <p:cNvPr id="1" name=""/>
-        <p:cNvGrpSpPr/>
-        <p:nvPr/>
-      </p:nvGrpSpPr>
-      <p:grpSpPr>
-        <a:xfrm>
-          <a:off x="0" y="0"/>
-          <a:ext cx="0" cy="0"/>
-          <a:chOff x="0" y="0"/>
-          <a:chExt cx="0" cy="0"/>
-        </a:xfrm>
-      </p:grpSpPr>
-      <p:sp>
-        <p:nvSpPr>
-          <p:cNvPr id="4" name="Tytuł 3">
-            <a:extLst>
-              <a:ext uri="{FF2B5EF4-FFF2-40B4-BE49-F238E27FC236}">
-                <a16:creationId xmlns:a16="http://schemas.microsoft.com/office/drawing/2014/main" id="{3CFE63DE-A91F-4F82-8D75-365CE19660F1}"/>
-              </a:ext>
-            </a:extLst>
-          </p:cNvPr>
-          <p:cNvSpPr>
-            <a:spLocks noGrp="1"/>
-          </p:cNvSpPr>
-          <p:nvPr>
-            <p:ph type="title"/>
-          </p:nvPr>
-        </p:nvSpPr>
-        <p:spPr>
-          <a:xfrm>
-            <a:off x="476250" y="3567785"/>
-            <a:ext cx="11544133" cy="1497507"/>
-          </a:xfrm>
-        </p:spPr>
-        <p:txBody>
-          <a:bodyPr>
-            <a:normAutofit/>
-          </a:bodyPr>
-          <a:lstStyle/>
-          <a:p>
-            <a:r>
-              <a:rPr lang="pl-PL" sz="4000" b="1" dirty="0"/>
-              <a:t>Analiza poprawności i wydajności zaimplementowanej metody</a:t>
-            </a:r>
-          </a:p>
-        </p:txBody>
-      </p:sp>
-    </p:spTree>
-    <p:extLst>
-      <p:ext uri="{BB962C8B-B14F-4D97-AF65-F5344CB8AC3E}">
-        <p14:creationId xmlns:p14="http://schemas.microsoft.com/office/powerpoint/2010/main" val="2083421882"/>
-      </p:ext>
-    </p:extLst>
-  </p:cSld>
-  <p:clrMapOvr>
-    <a:masterClrMapping/>
-  </p:clrMapOvr>
-</p:sld>
-</file>
-
-<file path=ppt/slides/slide8.xml><?xml version="1.0" encoding="utf-8"?>
-<p:sld xmlns:a="http://schemas.openxmlformats.org/drawingml/2006/main" xmlns:r="http://schemas.openxmlformats.org/officeDocument/2006/relationships" xmlns:p="http://schemas.openxmlformats.org/presentationml/2006/main">
-  <p:cSld>
-    <p:spTree>
-      <p:nvGrpSpPr>
-        <p:cNvPr id="1" name=""/>
-        <p:cNvGrpSpPr/>
-        <p:nvPr/>
-      </p:nvGrpSpPr>
-      <p:grpSpPr>
-        <a:xfrm>
-          <a:off x="0" y="0"/>
-          <a:ext cx="0" cy="0"/>
-          <a:chOff x="0" y="0"/>
-          <a:chExt cx="0" cy="0"/>
-        </a:xfrm>
-      </p:grpSpPr>
-      <p:sp>
-        <p:nvSpPr>
-          <p:cNvPr id="2" name="Tytuł 1">
-            <a:extLst>
-              <a:ext uri="{FF2B5EF4-FFF2-40B4-BE49-F238E27FC236}">
-                <a16:creationId xmlns:a16="http://schemas.microsoft.com/office/drawing/2014/main" id="{CCBD2335-8A67-403E-9A75-255BF1448F0D}"/>
-              </a:ext>
-            </a:extLst>
-          </p:cNvPr>
-          <p:cNvSpPr>
-            <a:spLocks noGrp="1"/>
-          </p:cNvSpPr>
-          <p:nvPr>
-            <p:ph type="title"/>
-          </p:nvPr>
-        </p:nvSpPr>
-        <p:spPr>
-          <a:xfrm>
-            <a:off x="442296" y="3317384"/>
-            <a:ext cx="11610808" cy="1497507"/>
-          </a:xfrm>
-        </p:spPr>
-        <p:txBody>
-          <a:bodyPr>
-            <a:noAutofit/>
-          </a:bodyPr>
-          <a:lstStyle/>
-          <a:p>
-            <a:r>
-              <a:rPr lang="pl-PL" b="1" dirty="0"/>
-              <a:t>Wszystkie materiały,  W tym Użyte Zbiory danych, Dostępne są pod Adresem:</a:t>
-            </a:r>
-          </a:p>
-        </p:txBody>
-      </p:sp>
-      <p:sp>
-        <p:nvSpPr>
-          <p:cNvPr id="3" name="Symbol zastępczy tekstu 2">
-            <a:extLst>
-              <a:ext uri="{FF2B5EF4-FFF2-40B4-BE49-F238E27FC236}">
-                <a16:creationId xmlns:a16="http://schemas.microsoft.com/office/drawing/2014/main" id="{35D5ACDA-082C-427C-B8F9-0AC89713FD7F}"/>
-              </a:ext>
-            </a:extLst>
-          </p:cNvPr>
-          <p:cNvSpPr>
-            <a:spLocks noGrp="1"/>
-          </p:cNvSpPr>
-          <p:nvPr>
-            <p:ph type="body" idx="1"/>
-          </p:nvPr>
-        </p:nvSpPr>
-        <p:spPr>
-          <a:xfrm>
-            <a:off x="581193" y="5399833"/>
-            <a:ext cx="11029615" cy="600556"/>
-          </a:xfrm>
-        </p:spPr>
-        <p:txBody>
-          <a:bodyPr/>
-          <a:lstStyle/>
-          <a:p>
-            <a:r>
-              <a:rPr lang="pl-PL" dirty="0">
-                <a:solidFill>
-                  <a:schemeClr val="bg1"/>
-                </a:solidFill>
-                <a:hlinkClick r:id="rId2">
-                  <a:extLst>
-                    <a:ext uri="{A12FA001-AC4F-418D-AE19-62706E023703}">
-                      <ahyp:hlinkClr xmlns:ahyp="http://schemas.microsoft.com/office/drawing/2018/hyperlinkcolor" val="tx"/>
-                    </a:ext>
-                  </a:extLst>
-                </a:hlinkClick>
-              </a:rPr>
-              <a:t>github.com/piotrekjanus/optymalizacja</a:t>
-            </a:r>
-            <a:endParaRPr lang="pl-PL" dirty="0">
-              <a:solidFill>
-                <a:schemeClr val="bg1"/>
-              </a:solidFill>
-            </a:endParaRPr>
-          </a:p>
-        </p:txBody>
-      </p:sp>
-    </p:spTree>
-    <p:extLst>
-      <p:ext uri="{BB962C8B-B14F-4D97-AF65-F5344CB8AC3E}">
-        <p14:creationId xmlns:p14="http://schemas.microsoft.com/office/powerpoint/2010/main" val="2856875051"/>
-      </p:ext>
-    </p:extLst>
-  </p:cSld>
-  <p:clrMapOvr>
-    <a:masterClrMapping/>
-  </p:clrMapOvr>
-</p:sld>
-</file>
-
-<file path=ppt/slides/slide9.xml><?xml version="1.0" encoding="utf-8"?>
+<file path=ppt/slides/slide10.xml><?xml version="1.0" encoding="utf-8"?>
 <p:sld xmlns:a="http://schemas.openxmlformats.org/drawingml/2006/main" xmlns:r="http://schemas.openxmlformats.org/officeDocument/2006/relationships" xmlns:p="http://schemas.openxmlformats.org/presentationml/2006/main">
   <p:cSld>
     <p:bg>
@@ -11938,6 +10131,2193 @@
 </p:sld>
 </file>
 
+<file path=ppt/slides/slide2.xml><?xml version="1.0" encoding="utf-8"?>
+<p:sld xmlns:a="http://schemas.openxmlformats.org/drawingml/2006/main" xmlns:r="http://schemas.openxmlformats.org/officeDocument/2006/relationships" xmlns:p="http://schemas.openxmlformats.org/presentationml/2006/main">
+  <p:cSld>
+    <p:spTree>
+      <p:nvGrpSpPr>
+        <p:cNvPr id="1" name=""/>
+        <p:cNvGrpSpPr/>
+        <p:nvPr/>
+      </p:nvGrpSpPr>
+      <p:grpSpPr>
+        <a:xfrm>
+          <a:off x="0" y="0"/>
+          <a:ext cx="0" cy="0"/>
+          <a:chOff x="0" y="0"/>
+          <a:chExt cx="0" cy="0"/>
+        </a:xfrm>
+      </p:grpSpPr>
+      <p:sp>
+        <p:nvSpPr>
+          <p:cNvPr id="2" name="Tytuł 1">
+            <a:extLst>
+              <a:ext uri="{FF2B5EF4-FFF2-40B4-BE49-F238E27FC236}">
+                <a16:creationId xmlns:a16="http://schemas.microsoft.com/office/drawing/2014/main" id="{4819043F-8C3D-4976-BC37-535B5D99A119}"/>
+              </a:ext>
+            </a:extLst>
+          </p:cNvPr>
+          <p:cNvSpPr>
+            <a:spLocks noGrp="1"/>
+          </p:cNvSpPr>
+          <p:nvPr>
+            <p:ph type="title"/>
+          </p:nvPr>
+        </p:nvSpPr>
+        <p:spPr/>
+        <p:txBody>
+          <a:bodyPr>
+            <a:normAutofit/>
+          </a:bodyPr>
+          <a:lstStyle/>
+          <a:p>
+            <a:r>
+              <a:rPr lang="pl-PL" sz="4000" b="1" dirty="0"/>
+              <a:t>Plan prezentacji</a:t>
+            </a:r>
+          </a:p>
+        </p:txBody>
+      </p:sp>
+      <p:sp>
+        <p:nvSpPr>
+          <p:cNvPr id="3" name="Symbol zastępczy zawartości 2">
+            <a:extLst>
+              <a:ext uri="{FF2B5EF4-FFF2-40B4-BE49-F238E27FC236}">
+                <a16:creationId xmlns:a16="http://schemas.microsoft.com/office/drawing/2014/main" id="{851D31B8-E8C7-4392-BCD7-43F9EBC0DE7F}"/>
+              </a:ext>
+            </a:extLst>
+          </p:cNvPr>
+          <p:cNvSpPr>
+            <a:spLocks noGrp="1"/>
+          </p:cNvSpPr>
+          <p:nvPr>
+            <p:ph idx="1"/>
+          </p:nvPr>
+        </p:nvSpPr>
+        <p:spPr/>
+        <p:txBody>
+          <a:bodyPr/>
+          <a:lstStyle/>
+          <a:p>
+            <a:r>
+              <a:rPr lang="pl-PL" sz="2400" dirty="0"/>
+              <a:t>Kontekst – wyznania w uczeniu maszynowym</a:t>
+            </a:r>
+          </a:p>
+          <a:p>
+            <a:r>
+              <a:rPr lang="pl-PL" sz="2400" dirty="0"/>
+              <a:t>Algorytm</a:t>
+            </a:r>
+          </a:p>
+          <a:p>
+            <a:r>
+              <a:rPr lang="pl-PL" sz="2400" dirty="0"/>
+              <a:t>Wyjaśnienie nazwy metody</a:t>
+            </a:r>
+          </a:p>
+          <a:p>
+            <a:r>
+              <a:rPr lang="pl-PL" sz="2400" dirty="0"/>
+              <a:t>Omówienie wyników</a:t>
+            </a:r>
+          </a:p>
+        </p:txBody>
+      </p:sp>
+    </p:spTree>
+    <p:extLst>
+      <p:ext uri="{BB962C8B-B14F-4D97-AF65-F5344CB8AC3E}">
+        <p14:creationId xmlns:p14="http://schemas.microsoft.com/office/powerpoint/2010/main" val="194377977"/>
+      </p:ext>
+    </p:extLst>
+  </p:cSld>
+  <p:clrMapOvr>
+    <a:masterClrMapping/>
+  </p:clrMapOvr>
+</p:sld>
+</file>
+
+<file path=ppt/slides/slide3.xml><?xml version="1.0" encoding="utf-8"?>
+<p:sld xmlns:a="http://schemas.openxmlformats.org/drawingml/2006/main" xmlns:r="http://schemas.openxmlformats.org/officeDocument/2006/relationships" xmlns:p="http://schemas.openxmlformats.org/presentationml/2006/main">
+  <p:cSld>
+    <p:spTree>
+      <p:nvGrpSpPr>
+        <p:cNvPr id="1" name=""/>
+        <p:cNvGrpSpPr/>
+        <p:nvPr/>
+      </p:nvGrpSpPr>
+      <p:grpSpPr>
+        <a:xfrm>
+          <a:off x="0" y="0"/>
+          <a:ext cx="0" cy="0"/>
+          <a:chOff x="0" y="0"/>
+          <a:chExt cx="0" cy="0"/>
+        </a:xfrm>
+      </p:grpSpPr>
+      <p:sp>
+        <p:nvSpPr>
+          <p:cNvPr id="2" name="Tytuł 1">
+            <a:extLst>
+              <a:ext uri="{FF2B5EF4-FFF2-40B4-BE49-F238E27FC236}">
+                <a16:creationId xmlns:a16="http://schemas.microsoft.com/office/drawing/2014/main" id="{6D0E581E-71E5-4E60-BCE3-BA4B88941435}"/>
+              </a:ext>
+            </a:extLst>
+          </p:cNvPr>
+          <p:cNvSpPr>
+            <a:spLocks noGrp="1"/>
+          </p:cNvSpPr>
+          <p:nvPr>
+            <p:ph type="title"/>
+          </p:nvPr>
+        </p:nvSpPr>
+        <p:spPr/>
+        <p:txBody>
+          <a:bodyPr/>
+          <a:lstStyle/>
+          <a:p>
+            <a:r>
+              <a:rPr lang="pl-PL" dirty="0"/>
+              <a:t>Definicja problemu</a:t>
+            </a:r>
+          </a:p>
+        </p:txBody>
+      </p:sp>
+      <mc:AlternateContent xmlns:mc="http://schemas.openxmlformats.org/markup-compatibility/2006" xmlns:a14="http://schemas.microsoft.com/office/drawing/2010/main">
+        <mc:Choice Requires="a14">
+          <p:sp>
+            <p:nvSpPr>
+              <p:cNvPr id="5" name="pole tekstowe 4">
+                <a:extLst>
+                  <a:ext uri="{FF2B5EF4-FFF2-40B4-BE49-F238E27FC236}">
+                    <a16:creationId xmlns:a16="http://schemas.microsoft.com/office/drawing/2014/main" id="{2194D232-8414-4EEE-939A-56E444303D5D}"/>
+                  </a:ext>
+                </a:extLst>
+              </p:cNvPr>
+              <p:cNvSpPr txBox="1"/>
+              <p:nvPr/>
+            </p:nvSpPr>
+            <p:spPr>
+              <a:xfrm>
+                <a:off x="1864312" y="3429000"/>
+                <a:ext cx="8272818" cy="1134221"/>
+              </a:xfrm>
+              <a:prstGeom prst="rect">
+                <a:avLst/>
+              </a:prstGeom>
+              <a:noFill/>
+            </p:spPr>
+            <p:txBody>
+              <a:bodyPr wrap="square" lIns="0" tIns="0" rIns="0" bIns="0" rtlCol="0">
+                <a:spAutoFit/>
+              </a:bodyPr>
+              <a:lstStyle/>
+              <a:p>
+                <a14:m>
+                  <m:oMath xmlns:m="http://schemas.openxmlformats.org/officeDocument/2006/math">
+                    <m:limLow>
+                      <m:limLowPr>
+                        <m:ctrlPr>
+                          <a:rPr lang="pl-PL" sz="4400" i="1" smtClean="0">
+                            <a:latin typeface="Cambria Math" panose="02040503050406030204" pitchFamily="18" charset="0"/>
+                          </a:rPr>
+                        </m:ctrlPr>
+                      </m:limLowPr>
+                      <m:e>
+                        <m:r>
+                          <m:rPr>
+                            <m:sty m:val="p"/>
+                          </m:rPr>
+                          <a:rPr lang="pl-PL" sz="4400">
+                            <a:latin typeface="Cambria Math" panose="02040503050406030204" pitchFamily="18" charset="0"/>
+                          </a:rPr>
+                          <m:t>min</m:t>
+                        </m:r>
+                      </m:e>
+                      <m:lim>
+                        <m:r>
+                          <a:rPr lang="pl-PL" sz="4400" i="1">
+                            <a:latin typeface="Cambria Math" panose="02040503050406030204" pitchFamily="18" charset="0"/>
+                          </a:rPr>
+                          <m:t>𝛽</m:t>
+                        </m:r>
+                      </m:lim>
+                    </m:limLow>
+                    <m:d>
+                      <m:dPr>
+                        <m:begChr m:val="{"/>
+                        <m:endChr m:val="}"/>
+                        <m:ctrlPr>
+                          <a:rPr lang="pl-PL" sz="4400" i="1">
+                            <a:latin typeface="Cambria Math" panose="02040503050406030204" pitchFamily="18" charset="0"/>
+                          </a:rPr>
+                        </m:ctrlPr>
+                      </m:dPr>
+                      <m:e>
+                        <m:sSubSup>
+                          <m:sSubSupPr>
+                            <m:ctrlPr>
+                              <a:rPr lang="pl-PL" sz="4400" i="1">
+                                <a:latin typeface="Cambria Math" panose="02040503050406030204" pitchFamily="18" charset="0"/>
+                              </a:rPr>
+                            </m:ctrlPr>
+                          </m:sSubSupPr>
+                          <m:e>
+                            <m:f>
+                              <m:fPr>
+                                <m:ctrlPr>
+                                  <a:rPr lang="pl-PL" sz="4400" i="1" smtClean="0">
+                                    <a:latin typeface="Cambria Math" panose="02040503050406030204" pitchFamily="18" charset="0"/>
+                                  </a:rPr>
+                                </m:ctrlPr>
+                              </m:fPr>
+                              <m:num>
+                                <m:r>
+                                  <a:rPr lang="pl-PL" sz="4400" b="0" i="1" smtClean="0">
+                                    <a:latin typeface="Cambria Math" panose="02040503050406030204" pitchFamily="18" charset="0"/>
+                                  </a:rPr>
+                                  <m:t>1</m:t>
+                                </m:r>
+                              </m:num>
+                              <m:den>
+                                <m:r>
+                                  <a:rPr lang="pl-PL" sz="4400" b="0" i="1" smtClean="0">
+                                    <a:latin typeface="Cambria Math" panose="02040503050406030204" pitchFamily="18" charset="0"/>
+                                  </a:rPr>
+                                  <m:t>2</m:t>
+                                </m:r>
+                              </m:den>
+                            </m:f>
+                            <m:d>
+                              <m:dPr>
+                                <m:begChr m:val="‖"/>
+                                <m:endChr m:val="‖"/>
+                                <m:ctrlPr>
+                                  <a:rPr lang="pl-PL" sz="4400" i="1">
+                                    <a:latin typeface="Cambria Math" panose="02040503050406030204" pitchFamily="18" charset="0"/>
+                                  </a:rPr>
+                                </m:ctrlPr>
+                              </m:dPr>
+                              <m:e>
+                                <m:r>
+                                  <a:rPr lang="pl-PL" sz="4400" i="1">
+                                    <a:latin typeface="Cambria Math" panose="02040503050406030204" pitchFamily="18" charset="0"/>
+                                  </a:rPr>
+                                  <m:t>𝑦</m:t>
+                                </m:r>
+                                <m:r>
+                                  <a:rPr lang="pl-PL" sz="4400">
+                                    <a:latin typeface="Cambria Math" panose="02040503050406030204" pitchFamily="18" charset="0"/>
+                                  </a:rPr>
+                                  <m:t>−</m:t>
+                                </m:r>
+                                <m:r>
+                                  <a:rPr lang="pl-PL" sz="4400" i="1">
+                                    <a:latin typeface="Cambria Math" panose="02040503050406030204" pitchFamily="18" charset="0"/>
+                                  </a:rPr>
+                                  <m:t>𝑋</m:t>
+                                </m:r>
+                                <m:r>
+                                  <a:rPr lang="pl-PL" sz="4400" i="1">
+                                    <a:latin typeface="Cambria Math" panose="02040503050406030204" pitchFamily="18" charset="0"/>
+                                  </a:rPr>
+                                  <m:t>𝛽</m:t>
+                                </m:r>
+                              </m:e>
+                            </m:d>
+                          </m:e>
+                          <m:sub>
+                            <m:r>
+                              <a:rPr lang="pl-PL" sz="4400" i="1">
+                                <a:latin typeface="Cambria Math" panose="02040503050406030204" pitchFamily="18" charset="0"/>
+                              </a:rPr>
+                              <m:t>2</m:t>
+                            </m:r>
+                          </m:sub>
+                          <m:sup>
+                            <m:r>
+                              <a:rPr lang="pl-PL" sz="4400" i="1">
+                                <a:latin typeface="Cambria Math" panose="02040503050406030204" pitchFamily="18" charset="0"/>
+                              </a:rPr>
+                              <m:t>2</m:t>
+                            </m:r>
+                          </m:sup>
+                        </m:sSubSup>
+                        <m:r>
+                          <a:rPr lang="pl-PL" sz="4400" i="0">
+                            <a:latin typeface="Cambria Math" panose="02040503050406030204" pitchFamily="18" charset="0"/>
+                          </a:rPr>
+                          <m:t>+</m:t>
+                        </m:r>
+                        <m:sSub>
+                          <m:sSubPr>
+                            <m:ctrlPr>
+                              <a:rPr lang="pl-PL" sz="4400" i="1" smtClean="0">
+                                <a:latin typeface="Cambria Math" panose="02040503050406030204" pitchFamily="18" charset="0"/>
+                              </a:rPr>
+                            </m:ctrlPr>
+                          </m:sSubPr>
+                          <m:e>
+                            <m:r>
+                              <a:rPr lang="pl-PL" sz="4400" i="1">
+                                <a:latin typeface="Cambria Math" panose="02040503050406030204" pitchFamily="18" charset="0"/>
+                              </a:rPr>
+                              <m:t>𝜆</m:t>
+                            </m:r>
+                            <m:d>
+                              <m:dPr>
+                                <m:begChr m:val="‖"/>
+                                <m:endChr m:val="‖"/>
+                                <m:ctrlPr>
+                                  <a:rPr lang="pl-PL" sz="4400" i="1">
+                                    <a:latin typeface="Cambria Math" panose="02040503050406030204" pitchFamily="18" charset="0"/>
+                                  </a:rPr>
+                                </m:ctrlPr>
+                              </m:dPr>
+                              <m:e>
+                                <m:r>
+                                  <a:rPr lang="pl-PL" sz="4400" i="1">
+                                    <a:latin typeface="Cambria Math" panose="02040503050406030204" pitchFamily="18" charset="0"/>
+                                  </a:rPr>
+                                  <m:t>𝛽</m:t>
+                                </m:r>
+                              </m:e>
+                            </m:d>
+                          </m:e>
+                          <m:sub>
+                            <m:r>
+                              <a:rPr lang="pl-PL" sz="4400" b="0" i="1" smtClean="0">
+                                <a:latin typeface="Cambria Math" panose="02040503050406030204" pitchFamily="18" charset="0"/>
+                              </a:rPr>
+                              <m:t>1</m:t>
+                            </m:r>
+                          </m:sub>
+                        </m:sSub>
+                      </m:e>
+                    </m:d>
+                  </m:oMath>
+                </a14:m>
+                <a:r>
+                  <a:rPr lang="pl-PL" sz="4400" dirty="0"/>
+                  <a:t>,  </a:t>
+                </a:r>
+                <a14:m>
+                  <m:oMath xmlns:m="http://schemas.openxmlformats.org/officeDocument/2006/math">
+                    <m:r>
+                      <a:rPr lang="pl-PL" sz="4400" i="1">
+                        <a:latin typeface="Cambria Math" panose="02040503050406030204" pitchFamily="18" charset="0"/>
+                      </a:rPr>
+                      <m:t>𝜆</m:t>
+                    </m:r>
+                    <m:r>
+                      <a:rPr lang="pl-PL" sz="4400" b="0" i="1" smtClean="0">
+                        <a:latin typeface="Cambria Math" panose="02040503050406030204" pitchFamily="18" charset="0"/>
+                      </a:rPr>
+                      <m:t>&gt;0</m:t>
+                    </m:r>
+                  </m:oMath>
+                </a14:m>
+                <a:endParaRPr lang="pl-PL" sz="4400" dirty="0"/>
+              </a:p>
+            </p:txBody>
+          </p:sp>
+        </mc:Choice>
+        <mc:Fallback xmlns="">
+          <p:sp>
+            <p:nvSpPr>
+              <p:cNvPr id="5" name="pole tekstowe 4">
+                <a:extLst>
+                  <a:ext uri="{FF2B5EF4-FFF2-40B4-BE49-F238E27FC236}">
+                    <a16:creationId xmlns:a16="http://schemas.microsoft.com/office/drawing/2014/main" id="{2194D232-8414-4EEE-939A-56E444303D5D}"/>
+                  </a:ext>
+                </a:extLst>
+              </p:cNvPr>
+              <p:cNvSpPr txBox="1">
+                <a:spLocks noRot="1" noChangeAspect="1" noMove="1" noResize="1" noEditPoints="1" noAdjustHandles="1" noChangeArrowheads="1" noChangeShapeType="1" noTextEdit="1"/>
+              </p:cNvSpPr>
+              <p:nvPr/>
+            </p:nvSpPr>
+            <p:spPr>
+              <a:xfrm>
+                <a:off x="1864312" y="3429000"/>
+                <a:ext cx="8272818" cy="1134221"/>
+              </a:xfrm>
+              <a:prstGeom prst="rect">
+                <a:avLst/>
+              </a:prstGeom>
+              <a:blipFill>
+                <a:blip r:embed="rId2"/>
+                <a:stretch>
+                  <a:fillRect t="-538" b="-3226"/>
+                </a:stretch>
+              </a:blipFill>
+            </p:spPr>
+            <p:txBody>
+              <a:bodyPr/>
+              <a:lstStyle/>
+              <a:p>
+                <a:r>
+                  <a:rPr lang="pl-PL">
+                    <a:noFill/>
+                  </a:rPr>
+                  <a:t> </a:t>
+                </a:r>
+              </a:p>
+            </p:txBody>
+          </p:sp>
+        </mc:Fallback>
+      </mc:AlternateContent>
+    </p:spTree>
+    <p:extLst>
+      <p:ext uri="{BB962C8B-B14F-4D97-AF65-F5344CB8AC3E}">
+        <p14:creationId xmlns:p14="http://schemas.microsoft.com/office/powerpoint/2010/main" val="3180447633"/>
+      </p:ext>
+    </p:extLst>
+  </p:cSld>
+  <p:clrMapOvr>
+    <a:masterClrMapping/>
+  </p:clrMapOvr>
+</p:sld>
+</file>
+
+<file path=ppt/slides/slide4.xml><?xml version="1.0" encoding="utf-8"?>
+<p:sld xmlns:a="http://schemas.openxmlformats.org/drawingml/2006/main" xmlns:r="http://schemas.openxmlformats.org/officeDocument/2006/relationships" xmlns:p="http://schemas.openxmlformats.org/presentationml/2006/main">
+  <p:cSld>
+    <p:spTree>
+      <p:nvGrpSpPr>
+        <p:cNvPr id="1" name=""/>
+        <p:cNvGrpSpPr/>
+        <p:nvPr/>
+      </p:nvGrpSpPr>
+      <p:grpSpPr>
+        <a:xfrm>
+          <a:off x="0" y="0"/>
+          <a:ext cx="0" cy="0"/>
+          <a:chOff x="0" y="0"/>
+          <a:chExt cx="0" cy="0"/>
+        </a:xfrm>
+      </p:grpSpPr>
+      <p:sp>
+        <p:nvSpPr>
+          <p:cNvPr id="2" name="Tytuł 1">
+            <a:extLst>
+              <a:ext uri="{FF2B5EF4-FFF2-40B4-BE49-F238E27FC236}">
+                <a16:creationId xmlns:a16="http://schemas.microsoft.com/office/drawing/2014/main" id="{6CA16AEF-63AF-437E-A5D8-6E3E7549EF84}"/>
+              </a:ext>
+            </a:extLst>
+          </p:cNvPr>
+          <p:cNvSpPr>
+            <a:spLocks noGrp="1"/>
+          </p:cNvSpPr>
+          <p:nvPr>
+            <p:ph type="title"/>
+          </p:nvPr>
+        </p:nvSpPr>
+        <p:spPr/>
+        <p:txBody>
+          <a:bodyPr>
+            <a:normAutofit/>
+          </a:bodyPr>
+          <a:lstStyle/>
+          <a:p>
+            <a:r>
+              <a:rPr lang="pl-PL" sz="3600" b="1"/>
+              <a:t>Wyzwania w </a:t>
+            </a:r>
+            <a:r>
+              <a:rPr lang="pl-PL" sz="3600" b="1" dirty="0"/>
+              <a:t>uczeniu maszynowym</a:t>
+            </a:r>
+          </a:p>
+        </p:txBody>
+      </p:sp>
+      <p:graphicFrame>
+        <p:nvGraphicFramePr>
+          <p:cNvPr id="4" name="Symbol zastępczy zawartości 3">
+            <a:extLst>
+              <a:ext uri="{FF2B5EF4-FFF2-40B4-BE49-F238E27FC236}">
+                <a16:creationId xmlns:a16="http://schemas.microsoft.com/office/drawing/2014/main" id="{DDBFB703-5694-4EA5-A414-418DC6284FEB}"/>
+              </a:ext>
+            </a:extLst>
+          </p:cNvPr>
+          <p:cNvGraphicFramePr>
+            <a:graphicFrameLocks noGrp="1"/>
+          </p:cNvGraphicFramePr>
+          <p:nvPr>
+            <p:ph idx="1"/>
+            <p:extLst>
+              <p:ext uri="{D42A27DB-BD31-4B8C-83A1-F6EECF244321}">
+                <p14:modId xmlns:p14="http://schemas.microsoft.com/office/powerpoint/2010/main" val="150703513"/>
+              </p:ext>
+            </p:extLst>
+          </p:nvPr>
+        </p:nvGraphicFramePr>
+        <p:xfrm>
+          <a:off x="-3959727" y="2336178"/>
+          <a:ext cx="12590544" cy="4318377"/>
+        </p:xfrm>
+        <a:graphic>
+          <a:graphicData uri="http://schemas.openxmlformats.org/drawingml/2006/diagram">
+            <dgm:relIds xmlns:dgm="http://schemas.openxmlformats.org/drawingml/2006/diagram" xmlns:r="http://schemas.openxmlformats.org/officeDocument/2006/relationships" r:dm="rId2" r:lo="rId3" r:qs="rId4" r:cs="rId5"/>
+          </a:graphicData>
+        </a:graphic>
+      </p:graphicFrame>
+      <p:sp>
+        <p:nvSpPr>
+          <p:cNvPr id="6" name="Strzałka: w prawo 5">
+            <a:extLst>
+              <a:ext uri="{FF2B5EF4-FFF2-40B4-BE49-F238E27FC236}">
+                <a16:creationId xmlns:a16="http://schemas.microsoft.com/office/drawing/2014/main" id="{216B09B8-5034-41DA-AF82-CF572C3E8AD3}"/>
+              </a:ext>
+            </a:extLst>
+          </p:cNvPr>
+          <p:cNvSpPr/>
+          <p:nvPr/>
+        </p:nvSpPr>
+        <p:spPr>
+          <a:xfrm>
+            <a:off x="5902036" y="3519055"/>
+            <a:ext cx="3168073" cy="1348509"/>
+          </a:xfrm>
+          <a:prstGeom prst="rightArrow">
+            <a:avLst/>
+          </a:prstGeom>
+          <a:solidFill>
+            <a:schemeClr val="accent2"/>
+          </a:solidFill>
+        </p:spPr>
+        <p:style>
+          <a:lnRef idx="2">
+            <a:schemeClr val="accent1">
+              <a:shade val="50000"/>
+            </a:schemeClr>
+          </a:lnRef>
+          <a:fillRef idx="1">
+            <a:schemeClr val="accent1"/>
+          </a:fillRef>
+          <a:effectRef idx="0">
+            <a:schemeClr val="accent1"/>
+          </a:effectRef>
+          <a:fontRef idx="minor">
+            <a:schemeClr val="lt1"/>
+          </a:fontRef>
+        </p:style>
+        <p:txBody>
+          <a:bodyPr rtlCol="0" anchor="ctr"/>
+          <a:lstStyle/>
+          <a:p>
+            <a:pPr algn="ctr"/>
+            <a:r>
+              <a:rPr lang="pl-PL" dirty="0">
+                <a:solidFill>
+                  <a:schemeClr val="bg1"/>
+                </a:solidFill>
+              </a:rPr>
+              <a:t>SELEKCJA ZMIENNYCH</a:t>
+            </a:r>
+          </a:p>
+        </p:txBody>
+      </p:sp>
+      <p:sp>
+        <p:nvSpPr>
+          <p:cNvPr id="7" name="pole tekstowe 6">
+            <a:extLst>
+              <a:ext uri="{FF2B5EF4-FFF2-40B4-BE49-F238E27FC236}">
+                <a16:creationId xmlns:a16="http://schemas.microsoft.com/office/drawing/2014/main" id="{2013BCB2-DE22-4451-A257-830C0DA8F150}"/>
+              </a:ext>
+            </a:extLst>
+          </p:cNvPr>
+          <p:cNvSpPr txBox="1"/>
+          <p:nvPr/>
+        </p:nvSpPr>
+        <p:spPr>
+          <a:xfrm>
+            <a:off x="9143690" y="3002651"/>
+            <a:ext cx="2965183" cy="1877437"/>
+          </a:xfrm>
+          <a:prstGeom prst="rect">
+            <a:avLst/>
+          </a:prstGeom>
+          <a:noFill/>
+        </p:spPr>
+        <p:txBody>
+          <a:bodyPr wrap="square" rtlCol="0">
+            <a:spAutoFit/>
+          </a:bodyPr>
+          <a:lstStyle/>
+          <a:p>
+            <a:r>
+              <a:rPr lang="pl-PL" sz="2400" dirty="0"/>
+              <a:t>Algorytmy:</a:t>
+            </a:r>
+          </a:p>
+          <a:p>
+            <a:pPr marL="285750" indent="-285750">
+              <a:buFontTx/>
+              <a:buChar char="-"/>
+            </a:pPr>
+            <a:r>
+              <a:rPr lang="pl-PL" sz="2400" dirty="0"/>
+              <a:t>LASSO</a:t>
+            </a:r>
+          </a:p>
+          <a:p>
+            <a:pPr marL="285750" indent="-285750">
+              <a:buFontTx/>
+              <a:buChar char="-"/>
+            </a:pPr>
+            <a:r>
+              <a:rPr lang="pl-PL" sz="2400" dirty="0" err="1"/>
+              <a:t>Stagewise</a:t>
+            </a:r>
+            <a:r>
+              <a:rPr lang="pl-PL" sz="2400" dirty="0"/>
+              <a:t> </a:t>
+            </a:r>
+            <a:r>
+              <a:rPr lang="pl-PL" sz="2400" dirty="0" err="1"/>
+              <a:t>Forward</a:t>
+            </a:r>
+            <a:endParaRPr lang="pl-PL" sz="2400" dirty="0"/>
+          </a:p>
+          <a:p>
+            <a:pPr marL="285750" indent="-285750">
+              <a:buFontTx/>
+              <a:buChar char="-"/>
+            </a:pPr>
+            <a:r>
+              <a:rPr lang="pl-PL" sz="2400" b="1" dirty="0"/>
+              <a:t>LARS</a:t>
+            </a:r>
+          </a:p>
+          <a:p>
+            <a:pPr marL="285750" indent="-285750">
+              <a:buFontTx/>
+              <a:buChar char="-"/>
+            </a:pPr>
+            <a:endParaRPr lang="pl-PL" sz="2000" dirty="0"/>
+          </a:p>
+        </p:txBody>
+      </p:sp>
+    </p:spTree>
+    <p:extLst>
+      <p:ext uri="{BB962C8B-B14F-4D97-AF65-F5344CB8AC3E}">
+        <p14:creationId xmlns:p14="http://schemas.microsoft.com/office/powerpoint/2010/main" val="2443359518"/>
+      </p:ext>
+    </p:extLst>
+  </p:cSld>
+  <p:clrMapOvr>
+    <a:masterClrMapping/>
+  </p:clrMapOvr>
+</p:sld>
+</file>
+
+<file path=ppt/slides/slide5.xml><?xml version="1.0" encoding="utf-8"?>
+<p:sld xmlns:a="http://schemas.openxmlformats.org/drawingml/2006/main" xmlns:r="http://schemas.openxmlformats.org/officeDocument/2006/relationships" xmlns:p="http://schemas.openxmlformats.org/presentationml/2006/main">
+  <p:cSld>
+    <p:spTree>
+      <p:nvGrpSpPr>
+        <p:cNvPr id="1" name=""/>
+        <p:cNvGrpSpPr/>
+        <p:nvPr/>
+      </p:nvGrpSpPr>
+      <p:grpSpPr>
+        <a:xfrm>
+          <a:off x="0" y="0"/>
+          <a:ext cx="0" cy="0"/>
+          <a:chOff x="0" y="0"/>
+          <a:chExt cx="0" cy="0"/>
+        </a:xfrm>
+      </p:grpSpPr>
+      <p:sp>
+        <p:nvSpPr>
+          <p:cNvPr id="2" name="Tytuł 1">
+            <a:extLst>
+              <a:ext uri="{FF2B5EF4-FFF2-40B4-BE49-F238E27FC236}">
+                <a16:creationId xmlns:a16="http://schemas.microsoft.com/office/drawing/2014/main" id="{100F46B3-9BEA-436D-B34D-A4EB760A7252}"/>
+              </a:ext>
+            </a:extLst>
+          </p:cNvPr>
+          <p:cNvSpPr>
+            <a:spLocks noGrp="1"/>
+          </p:cNvSpPr>
+          <p:nvPr>
+            <p:ph type="title"/>
+          </p:nvPr>
+        </p:nvSpPr>
+        <p:spPr/>
+        <p:txBody>
+          <a:bodyPr>
+            <a:normAutofit/>
+          </a:bodyPr>
+          <a:lstStyle/>
+          <a:p>
+            <a:r>
+              <a:rPr lang="pl-PL" sz="3600" b="1" dirty="0"/>
+              <a:t>Regresja metodą najmniejszego kąta</a:t>
+            </a:r>
+          </a:p>
+        </p:txBody>
+      </p:sp>
+      <p:sp>
+        <p:nvSpPr>
+          <p:cNvPr id="5" name="Prostokąt 4">
+            <a:extLst>
+              <a:ext uri="{FF2B5EF4-FFF2-40B4-BE49-F238E27FC236}">
+                <a16:creationId xmlns:a16="http://schemas.microsoft.com/office/drawing/2014/main" id="{5B4CCC1E-B1C5-4079-A32E-FFDA2C175067}"/>
+              </a:ext>
+            </a:extLst>
+          </p:cNvPr>
+          <p:cNvSpPr/>
+          <p:nvPr/>
+        </p:nvSpPr>
+        <p:spPr>
+          <a:xfrm>
+            <a:off x="6439973" y="1859586"/>
+            <a:ext cx="5536004" cy="5052602"/>
+          </a:xfrm>
+          <a:prstGeom prst="rect">
+            <a:avLst/>
+          </a:prstGeom>
+        </p:spPr>
+        <p:txBody>
+          <a:bodyPr wrap="square">
+            <a:spAutoFit/>
+          </a:bodyPr>
+          <a:lstStyle/>
+          <a:p>
+            <a:pPr>
+              <a:lnSpc>
+                <a:spcPct val="150000"/>
+              </a:lnSpc>
+            </a:pPr>
+            <a:r>
+              <a:rPr lang="pl-PL" sz="1900" i="1" dirty="0"/>
+              <a:t>inicjalizacja: zbiór aktywny jest pusty </a:t>
+            </a:r>
+          </a:p>
+          <a:p>
+            <a:pPr marL="342900" indent="-342900">
+              <a:lnSpc>
+                <a:spcPct val="150000"/>
+              </a:lnSpc>
+              <a:buFont typeface="+mj-lt"/>
+              <a:buAutoNum type="arabicPeriod"/>
+            </a:pPr>
+            <a:r>
+              <a:rPr lang="pl-PL" dirty="0"/>
+              <a:t>znajdź zmienną objaśniającą o największej korelacji z residuum</a:t>
+            </a:r>
+          </a:p>
+          <a:p>
+            <a:pPr marL="342900" indent="-342900">
+              <a:lnSpc>
+                <a:spcPct val="150000"/>
+              </a:lnSpc>
+              <a:buFont typeface="+mj-lt"/>
+              <a:buAutoNum type="arabicPeriod"/>
+            </a:pPr>
+            <a:r>
+              <a:rPr lang="pl-PL" dirty="0"/>
+              <a:t>idź w kierunku nowo wybranej zmiennej, tak długo aż inna zmienna w zbiorze nieaktywnych będzie miała taką samą lub większą korelację z residuum. </a:t>
+            </a:r>
+          </a:p>
+          <a:p>
+            <a:pPr marL="342900" indent="-342900">
+              <a:lnSpc>
+                <a:spcPct val="150000"/>
+              </a:lnSpc>
+              <a:buFont typeface="+mj-lt"/>
+              <a:buAutoNum type="arabicPeriod"/>
+            </a:pPr>
+            <a:r>
+              <a:rPr lang="pl-PL" dirty="0"/>
+              <a:t>Sprawdź warunki stopu, jeśli nie są spełnione, idź do pkt. 4, w przeciwnym przypadku zakończ.</a:t>
+            </a:r>
+          </a:p>
+          <a:p>
+            <a:pPr marL="342900" indent="-342900">
+              <a:lnSpc>
+                <a:spcPct val="150000"/>
+              </a:lnSpc>
+              <a:buFont typeface="+mj-lt"/>
+              <a:buAutoNum type="arabicPeriod"/>
+            </a:pPr>
+            <a:r>
+              <a:rPr lang="pl-PL" dirty="0"/>
+              <a:t>Dołącz kolejną zmienną, idź w kierunku wyznaczonym przez aktualną i poprzednią zmienną tak długo jak opisano w pkt 2.  </a:t>
+            </a:r>
+          </a:p>
+          <a:p>
+            <a:pPr marL="342900" indent="-342900">
+              <a:lnSpc>
+                <a:spcPct val="150000"/>
+              </a:lnSpc>
+              <a:buFont typeface="+mj-lt"/>
+              <a:buAutoNum type="arabicPeriod"/>
+            </a:pPr>
+            <a:r>
+              <a:rPr lang="pl-PL" dirty="0"/>
+              <a:t>Wróć do pkt 3.</a:t>
+            </a:r>
+          </a:p>
+        </p:txBody>
+      </p:sp>
+      <p:pic>
+        <p:nvPicPr>
+          <p:cNvPr id="6" name="Obraz 5">
+            <a:extLst>
+              <a:ext uri="{FF2B5EF4-FFF2-40B4-BE49-F238E27FC236}">
+                <a16:creationId xmlns:a16="http://schemas.microsoft.com/office/drawing/2014/main" id="{FF0EA678-D91E-4D9A-8D12-9D3E72544EE6}"/>
+              </a:ext>
+            </a:extLst>
+          </p:cNvPr>
+          <p:cNvPicPr>
+            <a:picLocks noChangeAspect="1"/>
+          </p:cNvPicPr>
+          <p:nvPr/>
+        </p:nvPicPr>
+        <p:blipFill>
+          <a:blip r:embed="rId2"/>
+          <a:stretch>
+            <a:fillRect/>
+          </a:stretch>
+        </p:blipFill>
+        <p:spPr>
+          <a:xfrm>
+            <a:off x="47027" y="2429341"/>
+            <a:ext cx="6288386" cy="3829416"/>
+          </a:xfrm>
+          <a:prstGeom prst="rect">
+            <a:avLst/>
+          </a:prstGeom>
+        </p:spPr>
+      </p:pic>
+    </p:spTree>
+    <p:extLst>
+      <p:ext uri="{BB962C8B-B14F-4D97-AF65-F5344CB8AC3E}">
+        <p14:creationId xmlns:p14="http://schemas.microsoft.com/office/powerpoint/2010/main" val="2084005113"/>
+      </p:ext>
+    </p:extLst>
+  </p:cSld>
+  <p:clrMapOvr>
+    <a:masterClrMapping/>
+  </p:clrMapOvr>
+</p:sld>
+</file>
+
+<file path=ppt/slides/slide6.xml><?xml version="1.0" encoding="utf-8"?>
+<p:sld xmlns:a="http://schemas.openxmlformats.org/drawingml/2006/main" xmlns:r="http://schemas.openxmlformats.org/officeDocument/2006/relationships" xmlns:p="http://schemas.openxmlformats.org/presentationml/2006/main">
+  <p:cSld>
+    <p:spTree>
+      <p:nvGrpSpPr>
+        <p:cNvPr id="1" name=""/>
+        <p:cNvGrpSpPr/>
+        <p:nvPr/>
+      </p:nvGrpSpPr>
+      <p:grpSpPr>
+        <a:xfrm>
+          <a:off x="0" y="0"/>
+          <a:ext cx="0" cy="0"/>
+          <a:chOff x="0" y="0"/>
+          <a:chExt cx="0" cy="0"/>
+        </a:xfrm>
+      </p:grpSpPr>
+      <p:sp>
+        <p:nvSpPr>
+          <p:cNvPr id="2" name="Tytuł 1">
+            <a:extLst>
+              <a:ext uri="{FF2B5EF4-FFF2-40B4-BE49-F238E27FC236}">
+                <a16:creationId xmlns:a16="http://schemas.microsoft.com/office/drawing/2014/main" id="{C0DA4E6A-4D5C-445E-A1CF-B7708AC85700}"/>
+              </a:ext>
+            </a:extLst>
+          </p:cNvPr>
+          <p:cNvSpPr>
+            <a:spLocks noGrp="1"/>
+          </p:cNvSpPr>
+          <p:nvPr>
+            <p:ph type="title"/>
+          </p:nvPr>
+        </p:nvSpPr>
+        <p:spPr/>
+        <p:txBody>
+          <a:bodyPr>
+            <a:normAutofit/>
+          </a:bodyPr>
+          <a:lstStyle/>
+          <a:p>
+            <a:r>
+              <a:rPr lang="pl-PL" sz="4000" b="1" dirty="0"/>
+              <a:t>Wyjaśnienie nazwy metody</a:t>
+            </a:r>
+          </a:p>
+        </p:txBody>
+      </p:sp>
+      <mc:AlternateContent xmlns:mc="http://schemas.openxmlformats.org/markup-compatibility/2006" xmlns:a14="http://schemas.microsoft.com/office/drawing/2010/main">
+        <mc:Choice Requires="a14">
+          <p:sp>
+            <p:nvSpPr>
+              <p:cNvPr id="4" name="Symbol zastępczy zawartości 3">
+                <a:extLst>
+                  <a:ext uri="{FF2B5EF4-FFF2-40B4-BE49-F238E27FC236}">
+                    <a16:creationId xmlns:a16="http://schemas.microsoft.com/office/drawing/2014/main" id="{D0280942-0C38-44EB-927D-5358E9B88AC2}"/>
+                  </a:ext>
+                </a:extLst>
+              </p:cNvPr>
+              <p:cNvSpPr txBox="1">
+                <a:spLocks noGrp="1"/>
+              </p:cNvSpPr>
+              <p:nvPr>
+                <p:ph idx="1"/>
+              </p:nvPr>
+            </p:nvSpPr>
+            <p:spPr>
+              <a:xfrm>
+                <a:off x="581192" y="3078032"/>
+                <a:ext cx="4757955" cy="3530197"/>
+              </a:xfrm>
+              <a:prstGeom prst="rect">
+                <a:avLst/>
+              </a:prstGeom>
+              <a:noFill/>
+            </p:spPr>
+            <p:txBody>
+              <a:bodyPr wrap="square" rtlCol="0">
+                <a:spAutoFit/>
+              </a:bodyPr>
+              <a:lstStyle/>
+              <a:p>
+                <a:pPr marL="0" indent="0">
+                  <a:buNone/>
+                </a:pPr>
+                <a:endParaRPr lang="pl-PL" dirty="0"/>
+              </a:p>
+              <a:p>
+                <a:pPr marL="0" indent="0">
+                  <a:buNone/>
+                </a:pPr>
+                <a:r>
+                  <a:rPr lang="pl-PL" sz="2400" dirty="0"/>
+                  <a:t>Korelacja:</a:t>
+                </a:r>
+              </a:p>
+              <a:p>
+                <a:pPr marL="0" indent="0">
+                  <a:buNone/>
+                </a:pPr>
+                <a14:m>
+                  <m:oMathPara xmlns:m="http://schemas.openxmlformats.org/officeDocument/2006/math">
+                    <m:oMathParaPr>
+                      <m:jc m:val="centerGroup"/>
+                    </m:oMathParaPr>
+                    <m:oMath xmlns:m="http://schemas.openxmlformats.org/officeDocument/2006/math">
+                      <m:r>
+                        <a:rPr lang="pl-PL" sz="2400" b="0" i="1" smtClean="0">
+                          <a:latin typeface="Cambria Math" panose="02040503050406030204" pitchFamily="18" charset="0"/>
+                        </a:rPr>
+                        <m:t>𝑐</m:t>
+                      </m:r>
+                      <m:r>
+                        <a:rPr lang="pl-PL" sz="2400" b="0" i="1" smtClean="0">
+                          <a:latin typeface="Cambria Math" panose="02040503050406030204" pitchFamily="18" charset="0"/>
+                        </a:rPr>
+                        <m:t>=</m:t>
+                      </m:r>
+                      <m:sSup>
+                        <m:sSupPr>
+                          <m:ctrlPr>
+                            <a:rPr lang="pl-PL" sz="2400" b="0" i="1" smtClean="0">
+                              <a:latin typeface="Cambria Math" panose="02040503050406030204" pitchFamily="18" charset="0"/>
+                            </a:rPr>
+                          </m:ctrlPr>
+                        </m:sSupPr>
+                        <m:e>
+                          <m:r>
+                            <a:rPr lang="pl-PL" sz="2400" b="0" i="1" smtClean="0">
+                              <a:latin typeface="Cambria Math" panose="02040503050406030204" pitchFamily="18" charset="0"/>
+                            </a:rPr>
+                            <m:t>𝑋</m:t>
+                          </m:r>
+                        </m:e>
+                        <m:sup>
+                          <m:r>
+                            <a:rPr lang="pl-PL" sz="2400" b="0" i="1" smtClean="0">
+                              <a:latin typeface="Cambria Math" panose="02040503050406030204" pitchFamily="18" charset="0"/>
+                            </a:rPr>
+                            <m:t>𝑇</m:t>
+                          </m:r>
+                        </m:sup>
+                      </m:sSup>
+                      <m:r>
+                        <a:rPr lang="pl-PL" sz="2400" b="0" i="1" smtClean="0">
+                          <a:latin typeface="Cambria Math" panose="02040503050406030204" pitchFamily="18" charset="0"/>
+                        </a:rPr>
+                        <m:t>𝑟</m:t>
+                      </m:r>
+                    </m:oMath>
+                  </m:oMathPara>
+                </a14:m>
+                <a:endParaRPr lang="pl-PL" sz="2400" b="0" dirty="0"/>
+              </a:p>
+              <a:p>
+                <a:pPr marL="0" indent="0">
+                  <a:buNone/>
+                </a:pPr>
+                <a:r>
+                  <a:rPr lang="pl-PL" sz="2400" dirty="0"/>
+                  <a:t>gdzie:</a:t>
+                </a:r>
+              </a:p>
+              <a:p>
+                <a:pPr marL="0" indent="0">
+                  <a:buNone/>
+                </a:pPr>
+                <a14:m>
+                  <m:oMathPara xmlns:m="http://schemas.openxmlformats.org/officeDocument/2006/math">
+                    <m:oMathParaPr>
+                      <m:jc m:val="centerGroup"/>
+                    </m:oMathParaPr>
+                    <m:oMath xmlns:m="http://schemas.openxmlformats.org/officeDocument/2006/math">
+                      <m:r>
+                        <a:rPr lang="pl-PL" sz="2400" b="0" i="1" smtClean="0">
+                          <a:latin typeface="Cambria Math" panose="02040503050406030204" pitchFamily="18" charset="0"/>
+                        </a:rPr>
+                        <m:t>𝑟</m:t>
+                      </m:r>
+                      <m:r>
+                        <a:rPr lang="pl-PL" sz="2400" b="0" i="1" smtClean="0">
+                          <a:latin typeface="Cambria Math" panose="02040503050406030204" pitchFamily="18" charset="0"/>
+                        </a:rPr>
+                        <m:t>=</m:t>
+                      </m:r>
+                      <m:r>
+                        <a:rPr lang="pl-PL" sz="2400" b="0" i="1" smtClean="0">
+                          <a:latin typeface="Cambria Math" panose="02040503050406030204" pitchFamily="18" charset="0"/>
+                        </a:rPr>
+                        <m:t>𝑦</m:t>
+                      </m:r>
+                      <m:r>
+                        <a:rPr lang="pl-PL" sz="2400" b="0" i="1" smtClean="0">
+                          <a:latin typeface="Cambria Math" panose="02040503050406030204" pitchFamily="18" charset="0"/>
+                        </a:rPr>
+                        <m:t>− </m:t>
+                      </m:r>
+                      <m:sSup>
+                        <m:sSupPr>
+                          <m:ctrlPr>
+                            <a:rPr lang="pl-PL" sz="2400" b="0" i="1" smtClean="0">
+                              <a:latin typeface="Cambria Math" panose="02040503050406030204" pitchFamily="18" charset="0"/>
+                            </a:rPr>
+                          </m:ctrlPr>
+                        </m:sSupPr>
+                        <m:e>
+                          <m:r>
+                            <a:rPr lang="pl-PL" sz="2400" b="0" i="1" smtClean="0">
+                              <a:latin typeface="Cambria Math" panose="02040503050406030204" pitchFamily="18" charset="0"/>
+                            </a:rPr>
+                            <m:t>𝑋</m:t>
+                          </m:r>
+                        </m:e>
+                        <m:sup>
+                          <m:r>
+                            <a:rPr lang="pl-PL" sz="2400" b="0" i="1" smtClean="0">
+                              <a:latin typeface="Cambria Math" panose="02040503050406030204" pitchFamily="18" charset="0"/>
+                            </a:rPr>
+                            <m:t>𝑇</m:t>
+                          </m:r>
+                        </m:sup>
+                      </m:sSup>
+                      <m:r>
+                        <a:rPr lang="pl-PL" sz="2400" b="0" i="1" smtClean="0">
+                          <a:latin typeface="Cambria Math" panose="02040503050406030204" pitchFamily="18" charset="0"/>
+                          <a:ea typeface="Cambria Math" panose="02040503050406030204" pitchFamily="18" charset="0"/>
+                        </a:rPr>
+                        <m:t>𝛽</m:t>
+                      </m:r>
+                    </m:oMath>
+                  </m:oMathPara>
+                </a14:m>
+                <a:endParaRPr lang="pl-PL" sz="2400" dirty="0"/>
+              </a:p>
+              <a:p>
+                <a:endParaRPr lang="pl-PL" dirty="0"/>
+              </a:p>
+              <a:p>
+                <a:endParaRPr lang="pl-PL" dirty="0"/>
+              </a:p>
+              <a:p>
+                <a:endParaRPr lang="pl-PL" dirty="0"/>
+              </a:p>
+            </p:txBody>
+          </p:sp>
+        </mc:Choice>
+        <mc:Fallback xmlns="">
+          <p:sp>
+            <p:nvSpPr>
+              <p:cNvPr id="4" name="Symbol zastępczy zawartości 3">
+                <a:extLst>
+                  <a:ext uri="{FF2B5EF4-FFF2-40B4-BE49-F238E27FC236}">
+                    <a16:creationId xmlns:a16="http://schemas.microsoft.com/office/drawing/2014/main" id="{D0280942-0C38-44EB-927D-5358E9B88AC2}"/>
+                  </a:ext>
+                </a:extLst>
+              </p:cNvPr>
+              <p:cNvSpPr txBox="1">
+                <a:spLocks noGrp="1" noRot="1" noChangeAspect="1" noMove="1" noResize="1" noEditPoints="1" noAdjustHandles="1" noChangeArrowheads="1" noChangeShapeType="1" noTextEdit="1"/>
+              </p:cNvSpPr>
+              <p:nvPr>
+                <p:ph idx="1"/>
+              </p:nvPr>
+            </p:nvSpPr>
+            <p:spPr>
+              <a:xfrm>
+                <a:off x="581192" y="3078032"/>
+                <a:ext cx="4757955" cy="3530197"/>
+              </a:xfrm>
+              <a:prstGeom prst="rect">
+                <a:avLst/>
+              </a:prstGeom>
+              <a:blipFill>
+                <a:blip r:embed="rId2"/>
+                <a:stretch>
+                  <a:fillRect l="-1921"/>
+                </a:stretch>
+              </a:blipFill>
+            </p:spPr>
+            <p:txBody>
+              <a:bodyPr/>
+              <a:lstStyle/>
+              <a:p>
+                <a:r>
+                  <a:rPr lang="pl-PL">
+                    <a:noFill/>
+                  </a:rPr>
+                  <a:t> </a:t>
+                </a:r>
+              </a:p>
+            </p:txBody>
+          </p:sp>
+        </mc:Fallback>
+      </mc:AlternateContent>
+      <p:sp>
+        <p:nvSpPr>
+          <p:cNvPr id="5" name="Strzałka: w prawo 4">
+            <a:extLst>
+              <a:ext uri="{FF2B5EF4-FFF2-40B4-BE49-F238E27FC236}">
+                <a16:creationId xmlns:a16="http://schemas.microsoft.com/office/drawing/2014/main" id="{B3F2EB09-7407-456F-8E05-8A9195346C73}"/>
+              </a:ext>
+            </a:extLst>
+          </p:cNvPr>
+          <p:cNvSpPr/>
+          <p:nvPr/>
+        </p:nvSpPr>
+        <p:spPr>
+          <a:xfrm>
+            <a:off x="5223802" y="3597682"/>
+            <a:ext cx="3431926" cy="1256356"/>
+          </a:xfrm>
+          <a:prstGeom prst="rightArrow">
+            <a:avLst/>
+          </a:prstGeom>
+          <a:solidFill>
+            <a:schemeClr val="accent2">
+              <a:lumMod val="40000"/>
+              <a:lumOff val="60000"/>
+            </a:schemeClr>
+          </a:solidFill>
+        </p:spPr>
+        <p:style>
+          <a:lnRef idx="2">
+            <a:schemeClr val="accent1">
+              <a:shade val="50000"/>
+            </a:schemeClr>
+          </a:lnRef>
+          <a:fillRef idx="1">
+            <a:schemeClr val="accent1"/>
+          </a:fillRef>
+          <a:effectRef idx="0">
+            <a:schemeClr val="accent1"/>
+          </a:effectRef>
+          <a:fontRef idx="minor">
+            <a:schemeClr val="lt1"/>
+          </a:fontRef>
+        </p:style>
+        <p:txBody>
+          <a:bodyPr rtlCol="0" anchor="ctr"/>
+          <a:lstStyle/>
+          <a:p>
+            <a:pPr algn="ctr"/>
+            <a:r>
+              <a:rPr lang="pl-PL" dirty="0">
+                <a:solidFill>
+                  <a:schemeClr val="tx1"/>
+                </a:solidFill>
+              </a:rPr>
+              <a:t>SZUKAMY ZM. O NAJWIĘKSZEJ KORELACJI</a:t>
+            </a:r>
+          </a:p>
+        </p:txBody>
+      </p:sp>
+      <p:sp>
+        <p:nvSpPr>
+          <p:cNvPr id="6" name="Strzałka: w lewo 5">
+            <a:extLst>
+              <a:ext uri="{FF2B5EF4-FFF2-40B4-BE49-F238E27FC236}">
+                <a16:creationId xmlns:a16="http://schemas.microsoft.com/office/drawing/2014/main" id="{4F4DAFFC-D331-4F87-AB80-8CE60B339B38}"/>
+              </a:ext>
+            </a:extLst>
+          </p:cNvPr>
+          <p:cNvSpPr/>
+          <p:nvPr/>
+        </p:nvSpPr>
+        <p:spPr>
+          <a:xfrm rot="5872163">
+            <a:off x="3043957" y="3286779"/>
+            <a:ext cx="659990" cy="273761"/>
+          </a:xfrm>
+          <a:prstGeom prst="leftArrow">
+            <a:avLst/>
+          </a:prstGeom>
+          <a:solidFill>
+            <a:schemeClr val="accent2">
+              <a:lumMod val="40000"/>
+              <a:lumOff val="60000"/>
+            </a:schemeClr>
+          </a:solidFill>
+        </p:spPr>
+        <p:style>
+          <a:lnRef idx="2">
+            <a:schemeClr val="accent1">
+              <a:shade val="50000"/>
+            </a:schemeClr>
+          </a:lnRef>
+          <a:fillRef idx="1">
+            <a:schemeClr val="accent1"/>
+          </a:fillRef>
+          <a:effectRef idx="0">
+            <a:schemeClr val="accent1"/>
+          </a:effectRef>
+          <a:fontRef idx="minor">
+            <a:schemeClr val="lt1"/>
+          </a:fontRef>
+        </p:style>
+        <p:txBody>
+          <a:bodyPr rtlCol="0" anchor="ctr"/>
+          <a:lstStyle/>
+          <a:p>
+            <a:pPr algn="ctr"/>
+            <a:endParaRPr lang="pl-PL"/>
+          </a:p>
+        </p:txBody>
+      </p:sp>
+      <mc:AlternateContent xmlns:mc="http://schemas.openxmlformats.org/markup-compatibility/2006" xmlns:a14="http://schemas.microsoft.com/office/drawing/2010/main">
+        <mc:Choice Requires="a14">
+          <p:sp>
+            <p:nvSpPr>
+              <p:cNvPr id="7" name="pole tekstowe 6">
+                <a:extLst>
+                  <a:ext uri="{FF2B5EF4-FFF2-40B4-BE49-F238E27FC236}">
+                    <a16:creationId xmlns:a16="http://schemas.microsoft.com/office/drawing/2014/main" id="{67871BBF-4EFA-4D8D-BD1E-C6C9BE9174AE}"/>
+                  </a:ext>
+                </a:extLst>
+              </p:cNvPr>
+              <p:cNvSpPr txBox="1"/>
+              <p:nvPr/>
+            </p:nvSpPr>
+            <p:spPr>
+              <a:xfrm>
+                <a:off x="2302984" y="2186794"/>
+                <a:ext cx="2375548" cy="646331"/>
+              </a:xfrm>
+              <a:prstGeom prst="rect">
+                <a:avLst/>
+              </a:prstGeom>
+              <a:noFill/>
+            </p:spPr>
+            <p:txBody>
+              <a:bodyPr wrap="square" rtlCol="0">
+                <a:spAutoFit/>
+              </a:bodyPr>
+              <a:lstStyle/>
+              <a:p>
+                <a:pPr algn="ctr"/>
+                <a:r>
+                  <a:rPr lang="pl-PL" dirty="0"/>
+                  <a:t>Iloczyn skalarny</a:t>
+                </a:r>
+              </a:p>
+              <a:p>
+                <a:pPr algn="ctr"/>
+                <a:r>
+                  <a:rPr lang="pl-PL" dirty="0"/>
+                  <a:t>(</a:t>
+                </a:r>
+                <a14:m>
+                  <m:oMath xmlns:m="http://schemas.openxmlformats.org/officeDocument/2006/math">
+                    <m:r>
+                      <a:rPr lang="pl-PL" b="0" i="1" smtClean="0">
+                        <a:latin typeface="Cambria Math" panose="02040503050406030204" pitchFamily="18" charset="0"/>
+                      </a:rPr>
+                      <m:t>𝑎</m:t>
+                    </m:r>
+                    <m:r>
+                      <a:rPr lang="pl-PL" b="0" i="1" smtClean="0">
+                        <a:latin typeface="Cambria Math" panose="02040503050406030204" pitchFamily="18" charset="0"/>
+                        <a:ea typeface="Cambria Math" panose="02040503050406030204" pitchFamily="18" charset="0"/>
+                      </a:rPr>
+                      <m:t>∙</m:t>
+                    </m:r>
+                    <m:r>
+                      <a:rPr lang="pl-PL" b="0" i="1" smtClean="0">
+                        <a:latin typeface="Cambria Math" panose="02040503050406030204" pitchFamily="18" charset="0"/>
+                      </a:rPr>
+                      <m:t>𝑏</m:t>
+                    </m:r>
+                    <m:r>
+                      <a:rPr lang="pl-PL" b="0" i="1" smtClean="0">
+                        <a:latin typeface="Cambria Math" panose="02040503050406030204" pitchFamily="18" charset="0"/>
+                      </a:rPr>
+                      <m:t>=</m:t>
+                    </m:r>
+                    <m:d>
+                      <m:dPr>
+                        <m:begChr m:val="|"/>
+                        <m:endChr m:val="|"/>
+                        <m:ctrlPr>
+                          <a:rPr lang="pl-PL" b="0" i="1" smtClean="0">
+                            <a:latin typeface="Cambria Math" panose="02040503050406030204" pitchFamily="18" charset="0"/>
+                          </a:rPr>
+                        </m:ctrlPr>
+                      </m:dPr>
+                      <m:e>
+                        <m:r>
+                          <a:rPr lang="pl-PL" b="0" i="1" smtClean="0">
+                            <a:latin typeface="Cambria Math" panose="02040503050406030204" pitchFamily="18" charset="0"/>
+                          </a:rPr>
+                          <m:t>𝑎</m:t>
+                        </m:r>
+                      </m:e>
+                    </m:d>
+                    <m:d>
+                      <m:dPr>
+                        <m:begChr m:val="|"/>
+                        <m:endChr m:val="|"/>
+                        <m:ctrlPr>
+                          <a:rPr lang="pl-PL" b="0" i="1" smtClean="0">
+                            <a:latin typeface="Cambria Math" panose="02040503050406030204" pitchFamily="18" charset="0"/>
+                          </a:rPr>
+                        </m:ctrlPr>
+                      </m:dPr>
+                      <m:e>
+                        <m:r>
+                          <a:rPr lang="pl-PL" b="0" i="1" smtClean="0">
+                            <a:latin typeface="Cambria Math" panose="02040503050406030204" pitchFamily="18" charset="0"/>
+                          </a:rPr>
+                          <m:t>𝑏</m:t>
+                        </m:r>
+                      </m:e>
+                    </m:d>
+                    <m:r>
+                      <a:rPr lang="pl-PL" b="0" i="1" smtClean="0">
+                        <a:latin typeface="Cambria Math" panose="02040503050406030204" pitchFamily="18" charset="0"/>
+                      </a:rPr>
+                      <m:t>𝑐𝑜𝑠</m:t>
+                    </m:r>
+                    <m:r>
+                      <a:rPr lang="pl-PL" b="0" i="1" smtClean="0">
+                        <a:latin typeface="Cambria Math" panose="02040503050406030204" pitchFamily="18" charset="0"/>
+                        <a:ea typeface="Cambria Math" panose="02040503050406030204" pitchFamily="18" charset="0"/>
+                      </a:rPr>
+                      <m:t>𝛼</m:t>
+                    </m:r>
+                    <m:r>
+                      <a:rPr lang="pl-PL" b="0" i="1" smtClean="0">
+                        <a:latin typeface="Cambria Math" panose="02040503050406030204" pitchFamily="18" charset="0"/>
+                        <a:ea typeface="Cambria Math" panose="02040503050406030204" pitchFamily="18" charset="0"/>
+                      </a:rPr>
+                      <m:t>)</m:t>
+                    </m:r>
+                  </m:oMath>
+                </a14:m>
+                <a:endParaRPr lang="pl-PL" dirty="0"/>
+              </a:p>
+            </p:txBody>
+          </p:sp>
+        </mc:Choice>
+        <mc:Fallback xmlns="">
+          <p:sp>
+            <p:nvSpPr>
+              <p:cNvPr id="7" name="pole tekstowe 6">
+                <a:extLst>
+                  <a:ext uri="{FF2B5EF4-FFF2-40B4-BE49-F238E27FC236}">
+                    <a16:creationId xmlns:a16="http://schemas.microsoft.com/office/drawing/2014/main" id="{67871BBF-4EFA-4D8D-BD1E-C6C9BE9174AE}"/>
+                  </a:ext>
+                </a:extLst>
+              </p:cNvPr>
+              <p:cNvSpPr txBox="1">
+                <a:spLocks noRot="1" noChangeAspect="1" noMove="1" noResize="1" noEditPoints="1" noAdjustHandles="1" noChangeArrowheads="1" noChangeShapeType="1" noTextEdit="1"/>
+              </p:cNvSpPr>
+              <p:nvPr/>
+            </p:nvSpPr>
+            <p:spPr>
+              <a:xfrm>
+                <a:off x="2302984" y="2186794"/>
+                <a:ext cx="2375548" cy="646331"/>
+              </a:xfrm>
+              <a:prstGeom prst="rect">
+                <a:avLst/>
+              </a:prstGeom>
+              <a:blipFill>
+                <a:blip r:embed="rId3"/>
+                <a:stretch>
+                  <a:fillRect t="-5660" b="-14151"/>
+                </a:stretch>
+              </a:blipFill>
+            </p:spPr>
+            <p:txBody>
+              <a:bodyPr/>
+              <a:lstStyle/>
+              <a:p>
+                <a:r>
+                  <a:rPr lang="pl-PL">
+                    <a:noFill/>
+                  </a:rPr>
+                  <a:t> </a:t>
+                </a:r>
+              </a:p>
+            </p:txBody>
+          </p:sp>
+        </mc:Fallback>
+      </mc:AlternateContent>
+      <mc:AlternateContent xmlns:mc="http://schemas.openxmlformats.org/markup-compatibility/2006" xmlns:a14="http://schemas.microsoft.com/office/drawing/2010/main">
+        <mc:Choice Requires="a14">
+          <p:sp>
+            <p:nvSpPr>
+              <p:cNvPr id="9" name="pole tekstowe 8">
+                <a:extLst>
+                  <a:ext uri="{FF2B5EF4-FFF2-40B4-BE49-F238E27FC236}">
+                    <a16:creationId xmlns:a16="http://schemas.microsoft.com/office/drawing/2014/main" id="{4E1C2AFB-1601-4F3E-B1A3-C07C1CB32722}"/>
+                  </a:ext>
+                </a:extLst>
+              </p:cNvPr>
+              <p:cNvSpPr txBox="1"/>
+              <p:nvPr/>
+            </p:nvSpPr>
+            <p:spPr>
+              <a:xfrm>
+                <a:off x="9447221" y="3013787"/>
+                <a:ext cx="1953088" cy="1754326"/>
+              </a:xfrm>
+              <a:prstGeom prst="rect">
+                <a:avLst/>
+              </a:prstGeom>
+              <a:noFill/>
+            </p:spPr>
+            <p:txBody>
+              <a:bodyPr wrap="square" rtlCol="0">
+                <a:spAutoFit/>
+              </a:bodyPr>
+              <a:lstStyle/>
+              <a:p>
+                <a:r>
+                  <a:rPr lang="pl-PL" dirty="0"/>
+                  <a:t>Czyli chcemy aby </a:t>
+                </a:r>
+                <a14:m>
+                  <m:oMath xmlns:m="http://schemas.openxmlformats.org/officeDocument/2006/math">
+                    <m:r>
+                      <a:rPr lang="pl-PL" i="1">
+                        <a:latin typeface="Cambria Math" panose="02040503050406030204" pitchFamily="18" charset="0"/>
+                      </a:rPr>
+                      <m:t>𝑐𝑜𝑠</m:t>
+                    </m:r>
+                    <m:r>
+                      <a:rPr lang="pl-PL" i="1">
+                        <a:latin typeface="Cambria Math" panose="02040503050406030204" pitchFamily="18" charset="0"/>
+                        <a:ea typeface="Cambria Math" panose="02040503050406030204" pitchFamily="18" charset="0"/>
+                      </a:rPr>
+                      <m:t>𝛼</m:t>
+                    </m:r>
+                  </m:oMath>
+                </a14:m>
+                <a:r>
+                  <a:rPr lang="pl-PL" dirty="0"/>
+                  <a:t> było maksymalne, co jest równoważne temu aby </a:t>
+                </a:r>
+                <a14:m>
+                  <m:oMath xmlns:m="http://schemas.openxmlformats.org/officeDocument/2006/math">
+                    <m:r>
+                      <a:rPr lang="pl-PL" i="1">
+                        <a:latin typeface="Cambria Math" panose="02040503050406030204" pitchFamily="18" charset="0"/>
+                        <a:ea typeface="Cambria Math" panose="02040503050406030204" pitchFamily="18" charset="0"/>
+                      </a:rPr>
+                      <m:t>𝛼</m:t>
+                    </m:r>
+                  </m:oMath>
+                </a14:m>
+                <a:r>
+                  <a:rPr lang="pl-PL" dirty="0"/>
+                  <a:t> było minimalne </a:t>
+                </a:r>
+              </a:p>
+            </p:txBody>
+          </p:sp>
+        </mc:Choice>
+        <mc:Fallback xmlns="">
+          <p:sp>
+            <p:nvSpPr>
+              <p:cNvPr id="9" name="pole tekstowe 8">
+                <a:extLst>
+                  <a:ext uri="{FF2B5EF4-FFF2-40B4-BE49-F238E27FC236}">
+                    <a16:creationId xmlns:a16="http://schemas.microsoft.com/office/drawing/2014/main" id="{4E1C2AFB-1601-4F3E-B1A3-C07C1CB32722}"/>
+                  </a:ext>
+                </a:extLst>
+              </p:cNvPr>
+              <p:cNvSpPr txBox="1">
+                <a:spLocks noRot="1" noChangeAspect="1" noMove="1" noResize="1" noEditPoints="1" noAdjustHandles="1" noChangeArrowheads="1" noChangeShapeType="1" noTextEdit="1"/>
+              </p:cNvSpPr>
+              <p:nvPr/>
+            </p:nvSpPr>
+            <p:spPr>
+              <a:xfrm>
+                <a:off x="9447221" y="3013787"/>
+                <a:ext cx="1953088" cy="1754326"/>
+              </a:xfrm>
+              <a:prstGeom prst="rect">
+                <a:avLst/>
+              </a:prstGeom>
+              <a:blipFill>
+                <a:blip r:embed="rId4"/>
+                <a:stretch>
+                  <a:fillRect l="-2813" t="-1736" b="-4514"/>
+                </a:stretch>
+              </a:blipFill>
+            </p:spPr>
+            <p:txBody>
+              <a:bodyPr/>
+              <a:lstStyle/>
+              <a:p>
+                <a:r>
+                  <a:rPr lang="pl-PL">
+                    <a:noFill/>
+                  </a:rPr>
+                  <a:t> </a:t>
+                </a:r>
+              </a:p>
+            </p:txBody>
+          </p:sp>
+        </mc:Fallback>
+      </mc:AlternateContent>
+      <p:sp>
+        <p:nvSpPr>
+          <p:cNvPr id="10" name="Równa się 9">
+            <a:extLst>
+              <a:ext uri="{FF2B5EF4-FFF2-40B4-BE49-F238E27FC236}">
+                <a16:creationId xmlns:a16="http://schemas.microsoft.com/office/drawing/2014/main" id="{69B8D0A3-88BD-448C-B061-7F31FE6AB462}"/>
+              </a:ext>
+            </a:extLst>
+          </p:cNvPr>
+          <p:cNvSpPr/>
+          <p:nvPr/>
+        </p:nvSpPr>
+        <p:spPr>
+          <a:xfrm rot="10800000">
+            <a:off x="9931647" y="4837932"/>
+            <a:ext cx="984237" cy="598423"/>
+          </a:xfrm>
+          <a:prstGeom prst="mathEqual">
+            <a:avLst/>
+          </a:prstGeom>
+          <a:solidFill>
+            <a:schemeClr val="accent2">
+              <a:lumMod val="40000"/>
+              <a:lumOff val="60000"/>
+            </a:schemeClr>
+          </a:solidFill>
+        </p:spPr>
+        <p:style>
+          <a:lnRef idx="2">
+            <a:schemeClr val="accent1">
+              <a:shade val="50000"/>
+            </a:schemeClr>
+          </a:lnRef>
+          <a:fillRef idx="1">
+            <a:schemeClr val="accent1"/>
+          </a:fillRef>
+          <a:effectRef idx="0">
+            <a:schemeClr val="accent1"/>
+          </a:effectRef>
+          <a:fontRef idx="minor">
+            <a:schemeClr val="lt1"/>
+          </a:fontRef>
+        </p:style>
+        <p:txBody>
+          <a:bodyPr rtlCol="0" anchor="ctr"/>
+          <a:lstStyle/>
+          <a:p>
+            <a:pPr algn="ctr"/>
+            <a:endParaRPr lang="pl-PL">
+              <a:solidFill>
+                <a:schemeClr val="tx1"/>
+              </a:solidFill>
+            </a:endParaRPr>
+          </a:p>
+        </p:txBody>
+      </p:sp>
+      <p:sp>
+        <p:nvSpPr>
+          <p:cNvPr id="11" name="pole tekstowe 10">
+            <a:extLst>
+              <a:ext uri="{FF2B5EF4-FFF2-40B4-BE49-F238E27FC236}">
+                <a16:creationId xmlns:a16="http://schemas.microsoft.com/office/drawing/2014/main" id="{C6D9A64D-D955-4A96-A909-9E7ECC05AF76}"/>
+              </a:ext>
+            </a:extLst>
+          </p:cNvPr>
+          <p:cNvSpPr txBox="1"/>
+          <p:nvPr/>
+        </p:nvSpPr>
+        <p:spPr>
+          <a:xfrm>
+            <a:off x="9088269" y="5487214"/>
+            <a:ext cx="3053918" cy="646331"/>
+          </a:xfrm>
+          <a:prstGeom prst="rect">
+            <a:avLst/>
+          </a:prstGeom>
+          <a:noFill/>
+        </p:spPr>
+        <p:txBody>
+          <a:bodyPr wrap="square" rtlCol="0">
+            <a:spAutoFit/>
+          </a:bodyPr>
+          <a:lstStyle/>
+          <a:p>
+            <a:r>
+              <a:rPr lang="pl-PL" dirty="0"/>
+              <a:t>Regresja metodą najmniejszego kąta (LARS)</a:t>
+            </a:r>
+          </a:p>
+        </p:txBody>
+      </p:sp>
+    </p:spTree>
+    <p:extLst>
+      <p:ext uri="{BB962C8B-B14F-4D97-AF65-F5344CB8AC3E}">
+        <p14:creationId xmlns:p14="http://schemas.microsoft.com/office/powerpoint/2010/main" val="2976884015"/>
+      </p:ext>
+    </p:extLst>
+  </p:cSld>
+  <p:clrMapOvr>
+    <a:masterClrMapping/>
+  </p:clrMapOvr>
+</p:sld>
+</file>
+
+<file path=ppt/slides/slide7.xml><?xml version="1.0" encoding="utf-8"?>
+<p:sld xmlns:a="http://schemas.openxmlformats.org/drawingml/2006/main" xmlns:r="http://schemas.openxmlformats.org/officeDocument/2006/relationships" xmlns:p="http://schemas.openxmlformats.org/presentationml/2006/main">
+  <p:cSld>
+    <p:spTree>
+      <p:nvGrpSpPr>
+        <p:cNvPr id="1" name=""/>
+        <p:cNvGrpSpPr/>
+        <p:nvPr/>
+      </p:nvGrpSpPr>
+      <p:grpSpPr>
+        <a:xfrm>
+          <a:off x="0" y="0"/>
+          <a:ext cx="0" cy="0"/>
+          <a:chOff x="0" y="0"/>
+          <a:chExt cx="0" cy="0"/>
+        </a:xfrm>
+      </p:grpSpPr>
+      <p:sp>
+        <p:nvSpPr>
+          <p:cNvPr id="4" name="Tytuł 3">
+            <a:extLst>
+              <a:ext uri="{FF2B5EF4-FFF2-40B4-BE49-F238E27FC236}">
+                <a16:creationId xmlns:a16="http://schemas.microsoft.com/office/drawing/2014/main" id="{3CFE63DE-A91F-4F82-8D75-365CE19660F1}"/>
+              </a:ext>
+            </a:extLst>
+          </p:cNvPr>
+          <p:cNvSpPr>
+            <a:spLocks noGrp="1"/>
+          </p:cNvSpPr>
+          <p:nvPr>
+            <p:ph type="title"/>
+          </p:nvPr>
+        </p:nvSpPr>
+        <p:spPr>
+          <a:xfrm>
+            <a:off x="476250" y="3567785"/>
+            <a:ext cx="11544133" cy="1497507"/>
+          </a:xfrm>
+        </p:spPr>
+        <p:txBody>
+          <a:bodyPr>
+            <a:normAutofit/>
+          </a:bodyPr>
+          <a:lstStyle/>
+          <a:p>
+            <a:r>
+              <a:rPr lang="pl-PL" sz="4000" b="1" dirty="0"/>
+              <a:t>Analiza poprawności i wydajności zaimplementowanej metody</a:t>
+            </a:r>
+          </a:p>
+        </p:txBody>
+      </p:sp>
+    </p:spTree>
+    <p:extLst>
+      <p:ext uri="{BB962C8B-B14F-4D97-AF65-F5344CB8AC3E}">
+        <p14:creationId xmlns:p14="http://schemas.microsoft.com/office/powerpoint/2010/main" val="2083421882"/>
+      </p:ext>
+    </p:extLst>
+  </p:cSld>
+  <p:clrMapOvr>
+    <a:masterClrMapping/>
+  </p:clrMapOvr>
+</p:sld>
+</file>
+
+<file path=ppt/slides/slide8.xml><?xml version="1.0" encoding="utf-8"?>
+<p:sld xmlns:a="http://schemas.openxmlformats.org/drawingml/2006/main" xmlns:r="http://schemas.openxmlformats.org/officeDocument/2006/relationships" xmlns:p="http://schemas.openxmlformats.org/presentationml/2006/main">
+  <p:cSld>
+    <p:spTree>
+      <p:nvGrpSpPr>
+        <p:cNvPr id="1" name=""/>
+        <p:cNvGrpSpPr/>
+        <p:nvPr/>
+      </p:nvGrpSpPr>
+      <p:grpSpPr>
+        <a:xfrm>
+          <a:off x="0" y="0"/>
+          <a:ext cx="0" cy="0"/>
+          <a:chOff x="0" y="0"/>
+          <a:chExt cx="0" cy="0"/>
+        </a:xfrm>
+      </p:grpSpPr>
+      <p:sp>
+        <p:nvSpPr>
+          <p:cNvPr id="2" name="Tytuł 1">
+            <a:extLst>
+              <a:ext uri="{FF2B5EF4-FFF2-40B4-BE49-F238E27FC236}">
+                <a16:creationId xmlns:a16="http://schemas.microsoft.com/office/drawing/2014/main" id="{CCBD2335-8A67-403E-9A75-255BF1448F0D}"/>
+              </a:ext>
+            </a:extLst>
+          </p:cNvPr>
+          <p:cNvSpPr>
+            <a:spLocks noGrp="1"/>
+          </p:cNvSpPr>
+          <p:nvPr>
+            <p:ph type="title"/>
+          </p:nvPr>
+        </p:nvSpPr>
+        <p:spPr>
+          <a:xfrm>
+            <a:off x="442296" y="3317384"/>
+            <a:ext cx="11610808" cy="1497507"/>
+          </a:xfrm>
+        </p:spPr>
+        <p:txBody>
+          <a:bodyPr>
+            <a:noAutofit/>
+          </a:bodyPr>
+          <a:lstStyle/>
+          <a:p>
+            <a:r>
+              <a:rPr lang="pl-PL" b="1" dirty="0"/>
+              <a:t>Wszystkie materiały,  W tym Użyte Zbiory danych, Dostępne są pod Adresem:</a:t>
+            </a:r>
+          </a:p>
+        </p:txBody>
+      </p:sp>
+      <p:sp>
+        <p:nvSpPr>
+          <p:cNvPr id="3" name="Symbol zastępczy tekstu 2">
+            <a:extLst>
+              <a:ext uri="{FF2B5EF4-FFF2-40B4-BE49-F238E27FC236}">
+                <a16:creationId xmlns:a16="http://schemas.microsoft.com/office/drawing/2014/main" id="{35D5ACDA-082C-427C-B8F9-0AC89713FD7F}"/>
+              </a:ext>
+            </a:extLst>
+          </p:cNvPr>
+          <p:cNvSpPr>
+            <a:spLocks noGrp="1"/>
+          </p:cNvSpPr>
+          <p:nvPr>
+            <p:ph type="body" idx="1"/>
+          </p:nvPr>
+        </p:nvSpPr>
+        <p:spPr>
+          <a:xfrm>
+            <a:off x="581193" y="5399833"/>
+            <a:ext cx="11029615" cy="600556"/>
+          </a:xfrm>
+        </p:spPr>
+        <p:txBody>
+          <a:bodyPr/>
+          <a:lstStyle/>
+          <a:p>
+            <a:r>
+              <a:rPr lang="pl-PL" dirty="0">
+                <a:solidFill>
+                  <a:schemeClr val="bg1"/>
+                </a:solidFill>
+                <a:hlinkClick r:id="rId2">
+                  <a:extLst>
+                    <a:ext uri="{A12FA001-AC4F-418D-AE19-62706E023703}">
+                      <ahyp:hlinkClr xmlns:ahyp="http://schemas.microsoft.com/office/drawing/2018/hyperlinkcolor" val="tx"/>
+                    </a:ext>
+                  </a:extLst>
+                </a:hlinkClick>
+              </a:rPr>
+              <a:t>github.com/piotrekjanus/optymalizacja</a:t>
+            </a:r>
+            <a:endParaRPr lang="pl-PL" dirty="0">
+              <a:solidFill>
+                <a:schemeClr val="bg1"/>
+              </a:solidFill>
+            </a:endParaRPr>
+          </a:p>
+        </p:txBody>
+      </p:sp>
+    </p:spTree>
+    <p:extLst>
+      <p:ext uri="{BB962C8B-B14F-4D97-AF65-F5344CB8AC3E}">
+        <p14:creationId xmlns:p14="http://schemas.microsoft.com/office/powerpoint/2010/main" val="2856875051"/>
+      </p:ext>
+    </p:extLst>
+  </p:cSld>
+  <p:clrMapOvr>
+    <a:masterClrMapping/>
+  </p:clrMapOvr>
+</p:sld>
+</file>
+
+<file path=ppt/slides/slide9.xml><?xml version="1.0" encoding="utf-8"?>
+<p:sld xmlns:a="http://schemas.openxmlformats.org/drawingml/2006/main" xmlns:r="http://schemas.openxmlformats.org/officeDocument/2006/relationships" xmlns:p="http://schemas.openxmlformats.org/presentationml/2006/main">
+  <p:cSld>
+    <p:spTree>
+      <p:nvGrpSpPr>
+        <p:cNvPr id="1" name=""/>
+        <p:cNvGrpSpPr/>
+        <p:nvPr/>
+      </p:nvGrpSpPr>
+      <p:grpSpPr>
+        <a:xfrm>
+          <a:off x="0" y="0"/>
+          <a:ext cx="0" cy="0"/>
+          <a:chOff x="0" y="0"/>
+          <a:chExt cx="0" cy="0"/>
+        </a:xfrm>
+      </p:grpSpPr>
+      <p:sp>
+        <p:nvSpPr>
+          <p:cNvPr id="4" name="Prostokąt 3">
+            <a:extLst>
+              <a:ext uri="{FF2B5EF4-FFF2-40B4-BE49-F238E27FC236}">
+                <a16:creationId xmlns:a16="http://schemas.microsoft.com/office/drawing/2014/main" id="{F03A64D0-8A3B-47AC-8C09-9B03C46BF39C}"/>
+              </a:ext>
+            </a:extLst>
+          </p:cNvPr>
+          <p:cNvSpPr/>
+          <p:nvPr/>
+        </p:nvSpPr>
+        <p:spPr>
+          <a:xfrm>
+            <a:off x="581192" y="2376516"/>
+            <a:ext cx="11029615" cy="2031325"/>
+          </a:xfrm>
+          <a:prstGeom prst="rect">
+            <a:avLst/>
+          </a:prstGeom>
+        </p:spPr>
+        <p:txBody>
+          <a:bodyPr wrap="square">
+            <a:spAutoFit/>
+          </a:bodyPr>
+          <a:lstStyle/>
+          <a:p>
+            <a:r>
+              <a:rPr lang="pl-PL" dirty="0">
+                <a:latin typeface="PLRoman10-Regular"/>
+              </a:rPr>
+              <a:t>[1] Robert </a:t>
+            </a:r>
+            <a:r>
+              <a:rPr lang="pl-PL" dirty="0" err="1">
+                <a:latin typeface="PLRoman10-Regular"/>
+              </a:rPr>
+              <a:t>Tibshirani</a:t>
+            </a:r>
+            <a:r>
+              <a:rPr lang="pl-PL" dirty="0">
+                <a:latin typeface="PLRoman10-Regular"/>
+              </a:rPr>
+              <a:t>, </a:t>
+            </a:r>
+            <a:r>
+              <a:rPr lang="pl-PL" dirty="0" err="1">
+                <a:latin typeface="PLRoman10-Regular"/>
+              </a:rPr>
+              <a:t>Iain</a:t>
+            </a:r>
+            <a:r>
+              <a:rPr lang="pl-PL" dirty="0">
+                <a:latin typeface="PLRoman10-Regular"/>
+              </a:rPr>
+              <a:t> </a:t>
+            </a:r>
+            <a:r>
+              <a:rPr lang="pl-PL" dirty="0" err="1">
+                <a:latin typeface="PLRoman10-Regular"/>
+              </a:rPr>
+              <a:t>Johnstone</a:t>
+            </a:r>
+            <a:r>
+              <a:rPr lang="pl-PL" dirty="0">
+                <a:latin typeface="PLRoman10-Regular"/>
+              </a:rPr>
+              <a:t>, Trevor </a:t>
+            </a:r>
+            <a:r>
+              <a:rPr lang="pl-PL" dirty="0" err="1">
+                <a:latin typeface="PLRoman10-Regular"/>
+              </a:rPr>
+              <a:t>Hastie</a:t>
+            </a:r>
+            <a:r>
+              <a:rPr lang="pl-PL" dirty="0">
+                <a:latin typeface="PLRoman10-Regular"/>
+              </a:rPr>
+              <a:t>, and Bradley </a:t>
+            </a:r>
+            <a:r>
+              <a:rPr lang="pl-PL" dirty="0" err="1">
+                <a:latin typeface="PLRoman10-Regular"/>
+              </a:rPr>
+              <a:t>Efron</a:t>
+            </a:r>
+            <a:r>
+              <a:rPr lang="pl-PL" dirty="0">
+                <a:latin typeface="PLRoman10-Regular"/>
+              </a:rPr>
+              <a:t>. </a:t>
+            </a:r>
+          </a:p>
+          <a:p>
+            <a:r>
+              <a:rPr lang="pl-PL" dirty="0" err="1">
+                <a:latin typeface="PLRoman10-Regular"/>
+              </a:rPr>
+              <a:t>Least</a:t>
+            </a:r>
+            <a:r>
+              <a:rPr lang="pl-PL" dirty="0">
+                <a:latin typeface="PLRoman10-Regular"/>
+              </a:rPr>
+              <a:t> </a:t>
+            </a:r>
+            <a:r>
+              <a:rPr lang="en-US" dirty="0">
+                <a:latin typeface="PLRoman10-Regular"/>
+              </a:rPr>
+              <a:t>angle regression. </a:t>
+            </a:r>
+            <a:r>
+              <a:rPr lang="en-US" i="1" dirty="0">
+                <a:latin typeface="PLRoman10-Italic"/>
+              </a:rPr>
+              <a:t>The Annals of Statistics</a:t>
+            </a:r>
+            <a:r>
+              <a:rPr lang="en-US" dirty="0">
+                <a:latin typeface="PLRoman10-Regular"/>
+              </a:rPr>
+              <a:t>, 32(2):407–499, Apr 2004.</a:t>
+            </a:r>
+            <a:r>
+              <a:rPr lang="pl-PL" dirty="0">
+                <a:latin typeface="PLRoman10-Regular"/>
+              </a:rPr>
+              <a:t> </a:t>
+            </a:r>
+          </a:p>
+          <a:p>
+            <a:r>
+              <a:rPr lang="pl-PL" dirty="0">
+                <a:latin typeface="PLRoman10-Regular"/>
+              </a:rPr>
+              <a:t>[2] Lars w R. </a:t>
+            </a:r>
+            <a:r>
+              <a:rPr lang="pl-PL" dirty="0">
+                <a:latin typeface="PLTypewriter10-Regular"/>
+              </a:rPr>
+              <a:t>https://www.rdocumentation.org/packages/lars/versions/</a:t>
+            </a:r>
+            <a:r>
+              <a:rPr lang="en-US" dirty="0">
+                <a:latin typeface="PLTypewriter10-Regular"/>
+              </a:rPr>
+              <a:t>1.2/topics/lars</a:t>
+            </a:r>
+            <a:endParaRPr lang="en-US" dirty="0">
+              <a:latin typeface="PLRoman10-Regular"/>
+            </a:endParaRPr>
+          </a:p>
+          <a:p>
+            <a:r>
+              <a:rPr lang="en-US" dirty="0">
+                <a:latin typeface="PLRoman10-Regular"/>
+              </a:rPr>
+              <a:t>[3] </a:t>
+            </a:r>
+            <a:r>
+              <a:rPr lang="pl-PL" dirty="0">
+                <a:latin typeface="PLRoman10-Regular"/>
+              </a:rPr>
+              <a:t>Modele </a:t>
+            </a:r>
+            <a:r>
+              <a:rPr lang="pl-PL" dirty="0" err="1">
+                <a:latin typeface="PLRoman10-Regular"/>
+              </a:rPr>
+              <a:t>regularyzowane</a:t>
+            </a:r>
+            <a:r>
+              <a:rPr lang="pl-PL" dirty="0">
+                <a:latin typeface="PLRoman10-Regular"/>
+              </a:rPr>
+              <a:t>. </a:t>
+            </a:r>
+            <a:r>
+              <a:rPr lang="pl-PL" dirty="0">
+                <a:latin typeface="PLTypewriter10-Regular"/>
+                <a:hlinkClick r:id="rId2"/>
+              </a:rPr>
+              <a:t>https://ksopyla.com/machine-learning/modele-regresji-liniowej-z-scikit-learn/</a:t>
+            </a:r>
+            <a:endParaRPr lang="pl-PL" dirty="0">
+              <a:latin typeface="PLRoman10-Regular"/>
+            </a:endParaRPr>
+          </a:p>
+          <a:p>
+            <a:r>
+              <a:rPr lang="pl-PL" dirty="0">
+                <a:latin typeface="PLRoman10-Regular"/>
+              </a:rPr>
+              <a:t>[4] </a:t>
+            </a:r>
+            <a:r>
+              <a:rPr lang="en-US" dirty="0">
+                <a:latin typeface="PLRoman10-Regular"/>
+              </a:rPr>
+              <a:t>Chris Fraley and Tim </a:t>
+            </a:r>
+            <a:r>
+              <a:rPr lang="en-US" dirty="0" err="1">
+                <a:latin typeface="PLRoman10-Regular"/>
+              </a:rPr>
+              <a:t>Hesterberg</a:t>
+            </a:r>
+            <a:r>
+              <a:rPr lang="en-US" dirty="0">
+                <a:latin typeface="PLRoman10-Regular"/>
+              </a:rPr>
+              <a:t>. Least angle regression and lasso for large</a:t>
+            </a:r>
+            <a:r>
+              <a:rPr lang="pl-PL" dirty="0">
+                <a:latin typeface="PLRoman10-Regular"/>
+              </a:rPr>
+              <a:t> </a:t>
+            </a:r>
+            <a:r>
+              <a:rPr lang="en-US" dirty="0">
+                <a:latin typeface="PLRoman10-Regular"/>
+              </a:rPr>
+              <a:t>datasets. </a:t>
+            </a:r>
+            <a:endParaRPr lang="pl-PL" dirty="0">
+              <a:latin typeface="PLRoman10-Regular"/>
+            </a:endParaRPr>
+          </a:p>
+          <a:p>
+            <a:r>
+              <a:rPr lang="en-US" i="1" dirty="0">
+                <a:latin typeface="PLRoman10-Italic"/>
+              </a:rPr>
+              <a:t>Statistical Analysis and Data Mining</a:t>
+            </a:r>
+            <a:r>
+              <a:rPr lang="en-US" dirty="0">
+                <a:latin typeface="PLRoman10-Regular"/>
+              </a:rPr>
+              <a:t>, 1:251–259, 2009.</a:t>
+            </a:r>
+          </a:p>
+          <a:p>
+            <a:endParaRPr lang="pl-PL" dirty="0"/>
+          </a:p>
+        </p:txBody>
+      </p:sp>
+      <p:sp>
+        <p:nvSpPr>
+          <p:cNvPr id="5" name="Prostokąt 4">
+            <a:extLst>
+              <a:ext uri="{FF2B5EF4-FFF2-40B4-BE49-F238E27FC236}">
+                <a16:creationId xmlns:a16="http://schemas.microsoft.com/office/drawing/2014/main" id="{8010A445-0A71-4670-A47E-9EEAA60B63C3}"/>
+              </a:ext>
+            </a:extLst>
+          </p:cNvPr>
+          <p:cNvSpPr/>
+          <p:nvPr/>
+        </p:nvSpPr>
+        <p:spPr>
+          <a:xfrm>
+            <a:off x="787454" y="5259122"/>
+            <a:ext cx="2954655" cy="923330"/>
+          </a:xfrm>
+          <a:prstGeom prst="rect">
+            <a:avLst/>
+          </a:prstGeom>
+          <a:noFill/>
+        </p:spPr>
+        <p:txBody>
+          <a:bodyPr wrap="none" lIns="91440" tIns="45720" rIns="91440" bIns="45720">
+            <a:spAutoFit/>
+          </a:bodyPr>
+          <a:lstStyle/>
+          <a:p>
+            <a:pPr algn="ctr"/>
+            <a:r>
+              <a:rPr lang="pl-PL" sz="5400" b="0" cap="none" spc="0" dirty="0">
+                <a:ln w="0"/>
+                <a:solidFill>
+                  <a:schemeClr val="bg1"/>
+                </a:solidFill>
+                <a:effectLst>
+                  <a:outerShdw blurRad="38100" dist="19050" dir="2700000" algn="tl" rotWithShape="0">
+                    <a:schemeClr val="dk1">
+                      <a:alpha val="40000"/>
+                    </a:schemeClr>
+                  </a:outerShdw>
+                </a:effectLst>
+              </a:rPr>
+              <a:t>Literatura</a:t>
+            </a:r>
+          </a:p>
+        </p:txBody>
+      </p:sp>
+    </p:spTree>
+    <p:extLst>
+      <p:ext uri="{BB962C8B-B14F-4D97-AF65-F5344CB8AC3E}">
+        <p14:creationId xmlns:p14="http://schemas.microsoft.com/office/powerpoint/2010/main" val="445286429"/>
+      </p:ext>
+    </p:extLst>
+  </p:cSld>
+  <p:clrMapOvr>
+    <a:masterClrMapping/>
+  </p:clrMapOvr>
+</p:sld>
+</file>
+
 <file path=ppt/theme/theme1.xml><?xml version="1.0" encoding="utf-8"?>
 <a:theme xmlns:a="http://schemas.openxmlformats.org/drawingml/2006/main" name="Dywidenda">
   <a:themeElements>
